--- a/PPT/ToMAS_team9797.pptx
+++ b/PPT/ToMAS_team9797.pptx
@@ -1,61 +1,36 @@
 
 <file path=ppt/presentation.xml><?xml version="1.0" encoding="utf-8"?>
-<p:presentation xmlns:a="http://schemas.openxmlformats.org/drawingml/2006/main" xmlns:r="http://schemas.openxmlformats.org/officeDocument/2006/relationships" xmlns:mc="http://schemas.openxmlformats.org/markup-compatibility/2006" xmlns:mv="urn:schemas-microsoft-com:mac:vml" xmlns:p="http://schemas.openxmlformats.org/presentationml/2006/main" xmlns:c="http://schemas.openxmlformats.org/drawingml/2006/chart" xmlns:dgm="http://schemas.openxmlformats.org/drawingml/2006/diagram" xmlns:o="urn:schemas-microsoft-com:office:office" xmlns:v="urn:schemas-microsoft-com:vml" xmlns:pvml="urn:schemas-microsoft-com:office:powerpoint" xmlns:com="http://schemas.openxmlformats.org/drawingml/2006/compatibility" xmlns:p14="http://schemas.microsoft.com/office/powerpoint/2010/main" xmlns:p15="http://schemas.microsoft.com/office/powerpoint/2012/main" xmlns:ahyp="http://schemas.microsoft.com/office/drawing/2018/hyperlinkcolor" autoCompressPictures="0" embedTrueTypeFonts="1" strictFirstAndLastChars="0" saveSubsetFonts="1">
+<p:presentation xmlns:r="http://schemas.openxmlformats.org/officeDocument/2006/relationships" xmlns:c="http://schemas.openxmlformats.org/drawingml/2006/chart" xmlns:a="http://schemas.openxmlformats.org/drawingml/2006/main" xmlns:dgm="http://schemas.openxmlformats.org/drawingml/2006/diagram" xmlns:dsp="http://schemas.microsoft.com/office/drawing/2008/diagram" xmlns:p="http://schemas.openxmlformats.org/presentationml/2006/main" strictFirstAndLastChars="0" autoCompressPictures="0">
   <p:sldMasterIdLst>
-    <p:sldMasterId id="2147483659" r:id="rId5"/>
+    <p:sldMasterId id="2147483659" r:id="rId1"/>
   </p:sldMasterIdLst>
   <p:notesMasterIdLst>
-    <p:notesMasterId r:id="rId6"/>
+    <p:notesMasterId r:id="rId2"/>
   </p:notesMasterIdLst>
   <p:sldIdLst>
-    <p:sldId id="256" r:id="rId7"/>
-    <p:sldId id="257" r:id="rId8"/>
-    <p:sldId id="258" r:id="rId9"/>
-    <p:sldId id="259" r:id="rId10"/>
-    <p:sldId id="260" r:id="rId11"/>
-    <p:sldId id="261" r:id="rId12"/>
-    <p:sldId id="262" r:id="rId13"/>
-    <p:sldId id="263" r:id="rId14"/>
-    <p:sldId id="264" r:id="rId15"/>
-    <p:sldId id="265" r:id="rId16"/>
-    <p:sldId id="266" r:id="rId17"/>
-    <p:sldId id="267" r:id="rId18"/>
-    <p:sldId id="268" r:id="rId19"/>
-    <p:sldId id="269" r:id="rId20"/>
-    <p:sldId id="270" r:id="rId21"/>
-    <p:sldId id="271" r:id="rId22"/>
-    <p:sldId id="272" r:id="rId23"/>
-    <p:sldId id="273" r:id="rId24"/>
+    <p:sldId id="256" r:id="rId3"/>
+    <p:sldId id="257" r:id="rId4"/>
+    <p:sldId id="258" r:id="rId5"/>
+    <p:sldId id="259" r:id="rId6"/>
+    <p:sldId id="260" r:id="rId7"/>
+    <p:sldId id="261" r:id="rId8"/>
+    <p:sldId id="262" r:id="rId9"/>
+    <p:sldId id="263" r:id="rId10"/>
+    <p:sldId id="264" r:id="rId11"/>
+    <p:sldId id="265" r:id="rId12"/>
+    <p:sldId id="266" r:id="rId13"/>
+    <p:sldId id="267" r:id="rId14"/>
+    <p:sldId id="268" r:id="rId15"/>
+    <p:sldId id="269" r:id="rId16"/>
+    <p:sldId id="270" r:id="rId17"/>
+    <p:sldId id="271" r:id="rId18"/>
+    <p:sldId id="272" r:id="rId19"/>
+    <p:sldId id="273" r:id="rId20"/>
   </p:sldIdLst>
-  <p:sldSz cy="5143500" cx="9144000"/>
+  <p:sldSz cx="9144000" cy="5143500"/>
   <p:notesSz cx="6858000" cy="9144000"/>
-  <p:embeddedFontLst>
-    <p:embeddedFont>
-      <p:font typeface="Raleway"/>
-      <p:regular r:id="rId25"/>
-      <p:bold r:id="rId26"/>
-      <p:italic r:id="rId27"/>
-      <p:boldItalic r:id="rId28"/>
-    </p:embeddedFont>
-    <p:embeddedFont>
-      <p:font typeface="Lato"/>
-      <p:regular r:id="rId29"/>
-      <p:bold r:id="rId30"/>
-      <p:italic r:id="rId31"/>
-      <p:boldItalic r:id="rId32"/>
-    </p:embeddedFont>
-    <p:embeddedFont>
-      <p:font typeface="Raleway Thin"/>
-      <p:bold r:id="rId33"/>
-      <p:boldItalic r:id="rId34"/>
-    </p:embeddedFont>
-    <p:embeddedFont>
-      <p:font typeface="Bree Serif"/>
-      <p:regular r:id="rId35"/>
-    </p:embeddedFont>
-  </p:embeddedFontLst>
   <p:defaultTextStyle>
-    <a:defPPr lvl="0" marR="0" rtl="0" algn="l">
+    <a:defPPr marR="0" lvl="0" algn="l" rtl="0">
       <a:lnSpc>
         <a:spcPct val="100000"/>
       </a:lnSpc>
@@ -66,7 +41,7 @@
         <a:spcPts val="0"/>
       </a:spcAft>
     </a:defPPr>
-    <a:lvl1pPr lvl="0" marR="0" rtl="0" algn="l">
+    <a:lvl1pPr marR="0" lvl="0" algn="l" rtl="0">
       <a:lnSpc>
         <a:spcPct val="100000"/>
       </a:lnSpc>
@@ -80,7 +55,7 @@
         <a:srgbClr val="000000"/>
       </a:buClr>
       <a:buFont typeface="Arial"/>
-      <a:defRPr b="0" i="0" sz="1400" u="none" cap="none" strike="noStrike">
+      <a:defRPr sz="1400" b="0" i="0" u="none" strike="noStrike" cap="none">
         <a:solidFill>
           <a:srgbClr val="000000"/>
         </a:solidFill>
@@ -90,7 +65,7 @@
         <a:sym typeface="Arial"/>
       </a:defRPr>
     </a:lvl1pPr>
-    <a:lvl2pPr lvl="1" marR="0" rtl="0" algn="l">
+    <a:lvl2pPr marR="0" lvl="1" algn="l" rtl="0">
       <a:lnSpc>
         <a:spcPct val="100000"/>
       </a:lnSpc>
@@ -104,7 +79,7 @@
         <a:srgbClr val="000000"/>
       </a:buClr>
       <a:buFont typeface="Arial"/>
-      <a:defRPr b="0" i="0" sz="1400" u="none" cap="none" strike="noStrike">
+      <a:defRPr sz="1400" b="0" i="0" u="none" strike="noStrike" cap="none">
         <a:solidFill>
           <a:srgbClr val="000000"/>
         </a:solidFill>
@@ -114,7 +89,7 @@
         <a:sym typeface="Arial"/>
       </a:defRPr>
     </a:lvl2pPr>
-    <a:lvl3pPr lvl="2" marR="0" rtl="0" algn="l">
+    <a:lvl3pPr marR="0" lvl="2" algn="l" rtl="0">
       <a:lnSpc>
         <a:spcPct val="100000"/>
       </a:lnSpc>
@@ -128,7 +103,7 @@
         <a:srgbClr val="000000"/>
       </a:buClr>
       <a:buFont typeface="Arial"/>
-      <a:defRPr b="0" i="0" sz="1400" u="none" cap="none" strike="noStrike">
+      <a:defRPr sz="1400" b="0" i="0" u="none" strike="noStrike" cap="none">
         <a:solidFill>
           <a:srgbClr val="000000"/>
         </a:solidFill>
@@ -138,7 +113,7 @@
         <a:sym typeface="Arial"/>
       </a:defRPr>
     </a:lvl3pPr>
-    <a:lvl4pPr lvl="3" marR="0" rtl="0" algn="l">
+    <a:lvl4pPr marR="0" lvl="3" algn="l" rtl="0">
       <a:lnSpc>
         <a:spcPct val="100000"/>
       </a:lnSpc>
@@ -152,7 +127,7 @@
         <a:srgbClr val="000000"/>
       </a:buClr>
       <a:buFont typeface="Arial"/>
-      <a:defRPr b="0" i="0" sz="1400" u="none" cap="none" strike="noStrike">
+      <a:defRPr sz="1400" b="0" i="0" u="none" strike="noStrike" cap="none">
         <a:solidFill>
           <a:srgbClr val="000000"/>
         </a:solidFill>
@@ -162,7 +137,7 @@
         <a:sym typeface="Arial"/>
       </a:defRPr>
     </a:lvl4pPr>
-    <a:lvl5pPr lvl="4" marR="0" rtl="0" algn="l">
+    <a:lvl5pPr marR="0" lvl="4" algn="l" rtl="0">
       <a:lnSpc>
         <a:spcPct val="100000"/>
       </a:lnSpc>
@@ -176,7 +151,7 @@
         <a:srgbClr val="000000"/>
       </a:buClr>
       <a:buFont typeface="Arial"/>
-      <a:defRPr b="0" i="0" sz="1400" u="none" cap="none" strike="noStrike">
+      <a:defRPr sz="1400" b="0" i="0" u="none" strike="noStrike" cap="none">
         <a:solidFill>
           <a:srgbClr val="000000"/>
         </a:solidFill>
@@ -186,7 +161,7 @@
         <a:sym typeface="Arial"/>
       </a:defRPr>
     </a:lvl5pPr>
-    <a:lvl6pPr lvl="5" marR="0" rtl="0" algn="l">
+    <a:lvl6pPr marR="0" lvl="5" algn="l" rtl="0">
       <a:lnSpc>
         <a:spcPct val="100000"/>
       </a:lnSpc>
@@ -200,7 +175,7 @@
         <a:srgbClr val="000000"/>
       </a:buClr>
       <a:buFont typeface="Arial"/>
-      <a:defRPr b="0" i="0" sz="1400" u="none" cap="none" strike="noStrike">
+      <a:defRPr sz="1400" b="0" i="0" u="none" strike="noStrike" cap="none">
         <a:solidFill>
           <a:srgbClr val="000000"/>
         </a:solidFill>
@@ -210,7 +185,7 @@
         <a:sym typeface="Arial"/>
       </a:defRPr>
     </a:lvl6pPr>
-    <a:lvl7pPr lvl="6" marR="0" rtl="0" algn="l">
+    <a:lvl7pPr marR="0" lvl="6" algn="l" rtl="0">
       <a:lnSpc>
         <a:spcPct val="100000"/>
       </a:lnSpc>
@@ -224,7 +199,7 @@
         <a:srgbClr val="000000"/>
       </a:buClr>
       <a:buFont typeface="Arial"/>
-      <a:defRPr b="0" i="0" sz="1400" u="none" cap="none" strike="noStrike">
+      <a:defRPr sz="1400" b="0" i="0" u="none" strike="noStrike" cap="none">
         <a:solidFill>
           <a:srgbClr val="000000"/>
         </a:solidFill>
@@ -234,7 +209,7 @@
         <a:sym typeface="Arial"/>
       </a:defRPr>
     </a:lvl7pPr>
-    <a:lvl8pPr lvl="7" marR="0" rtl="0" algn="l">
+    <a:lvl8pPr marR="0" lvl="7" algn="l" rtl="0">
       <a:lnSpc>
         <a:spcPct val="100000"/>
       </a:lnSpc>
@@ -248,7 +223,7 @@
         <a:srgbClr val="000000"/>
       </a:buClr>
       <a:buFont typeface="Arial"/>
-      <a:defRPr b="0" i="0" sz="1400" u="none" cap="none" strike="noStrike">
+      <a:defRPr sz="1400" b="0" i="0" u="none" strike="noStrike" cap="none">
         <a:solidFill>
           <a:srgbClr val="000000"/>
         </a:solidFill>
@@ -258,7 +233,7 @@
         <a:sym typeface="Arial"/>
       </a:defRPr>
     </a:lvl8pPr>
-    <a:lvl9pPr lvl="8" marR="0" rtl="0" algn="l">
+    <a:lvl9pPr marR="0" lvl="8" algn="l" rtl="0">
       <a:lnSpc>
         <a:spcPct val="100000"/>
       </a:lnSpc>
@@ -272,7 +247,7 @@
         <a:srgbClr val="000000"/>
       </a:buClr>
       <a:buFont typeface="Arial"/>
-      <a:defRPr b="0" i="0" sz="1400" u="none" cap="none" strike="noStrike">
+      <a:defRPr sz="1400" b="0" i="0" u="none" strike="noStrike" cap="none">
         <a:solidFill>
           <a:srgbClr val="000000"/>
         </a:solidFill>
@@ -283,31 +258,20 @@
       </a:defRPr>
     </a:lvl9pPr>
   </p:defaultTextStyle>
-  <p:extLst>
-    <p:ext uri="{EFAFB233-063F-42B5-8137-9DF3F51BA10A}">
-      <p15:sldGuideLst>
-        <p15:guide id="1" orient="horz" pos="1620">
-          <p15:clr>
-            <a:srgbClr val="A4A3A4"/>
-          </p15:clr>
-        </p15:guide>
-        <p15:guide id="2" pos="2880">
-          <p15:clr>
-            <a:srgbClr val="A4A3A4"/>
-          </p15:clr>
-        </p15:guide>
-      </p15:sldGuideLst>
-    </p:ext>
-  </p:extLst>
 </p:presentation>
 </file>
 
 <file path=ppt/notesMasters/notesMaster1.xml><?xml version="1.0" encoding="utf-8"?>
-<p:notesMaster xmlns:a="http://schemas.openxmlformats.org/drawingml/2006/main" xmlns:r="http://schemas.openxmlformats.org/officeDocument/2006/relationships" xmlns:mc="http://schemas.openxmlformats.org/markup-compatibility/2006" xmlns:mv="urn:schemas-microsoft-com:mac:vml" xmlns:p="http://schemas.openxmlformats.org/presentationml/2006/main" xmlns:c="http://schemas.openxmlformats.org/drawingml/2006/chart" xmlns:dgm="http://schemas.openxmlformats.org/drawingml/2006/diagram" xmlns:o="urn:schemas-microsoft-com:office:office" xmlns:v="urn:schemas-microsoft-com:vml" xmlns:pvml="urn:schemas-microsoft-com:office:powerpoint" xmlns:com="http://schemas.openxmlformats.org/drawingml/2006/compatibility" xmlns:p14="http://schemas.microsoft.com/office/powerpoint/2010/main" xmlns:p15="http://schemas.microsoft.com/office/powerpoint/2012/main" xmlns:ahyp="http://schemas.microsoft.com/office/drawing/2018/hyperlinkcolor">
+<p:notesMaster xmlns:r="http://schemas.openxmlformats.org/officeDocument/2006/relationships" xmlns:c="http://schemas.openxmlformats.org/drawingml/2006/chart" xmlns:a="http://schemas.openxmlformats.org/drawingml/2006/main" xmlns:dgm="http://schemas.openxmlformats.org/drawingml/2006/diagram" xmlns:dsp="http://schemas.microsoft.com/office/drawing/2008/diagram" xmlns:p="http://schemas.openxmlformats.org/presentationml/2006/main">
   <p:cSld>
+    <p:bg>
+      <p:bgRef idx="1001">
+        <a:schemeClr val="bg1"/>
+      </p:bgRef>
+    </p:bg>
     <p:spTree>
       <p:nvGrpSpPr>
-        <p:cNvPr id="2" name="Shape 2"/>
+        <p:cNvPr id="1" name=""/>
         <p:cNvGrpSpPr/>
         <p:nvPr/>
       </p:nvGrpSpPr>
@@ -322,9 +286,11 @@
       <p:sp>
         <p:nvSpPr>
           <p:cNvPr id="3" name="Google Shape;3;n"/>
-          <p:cNvSpPr/>
+          <p:cNvSpPr>
+            <a:spLocks noGrp="1" noRot="1" noChangeAspect="1" noTextEdit="1"/>
+          </p:cNvSpPr>
           <p:nvPr>
-            <p:ph idx="2" type="sldImg"/>
+            <p:ph type="sldImg" idx="2"/>
           </p:nvPr>
         </p:nvSpPr>
         <p:spPr>
@@ -333,9 +299,11 @@
             <a:ext cx="6096075" cy="3429000"/>
           </a:xfrm>
           <a:custGeom>
-            <a:rect b="b" l="l" r="r" t="t"/>
+            <a:avLst/>
+            <a:gdLst/>
+            <a:rect l="l" t="t" r="r" b="b"/>
             <a:pathLst>
-              <a:path extrusionOk="0" h="120000" w="120000">
+              <a:path w="120000" h="120000" extrusionOk="0">
                 <a:moveTo>
                   <a:pt x="0" y="0"/>
                 </a:moveTo>
@@ -353,23 +321,25 @@
             </a:pathLst>
           </a:custGeom>
           <a:noFill/>
-          <a:ln cap="flat" cmpd="sng" w="9525">
+          <a:ln w="9525" cap="flat" cmpd="sng">
             <a:solidFill>
               <a:srgbClr val="000000"/>
             </a:solidFill>
             <a:prstDash val="solid"/>
             <a:round/>
-            <a:headEnd len="sm" w="sm" type="none"/>
-            <a:tailEnd len="sm" w="sm" type="none"/>
+            <a:headEnd w="sm" len="sm"/>
+            <a:tailEnd w="sm" len="sm"/>
           </a:ln>
         </p:spPr>
       </p:sp>
       <p:sp>
         <p:nvSpPr>
           <p:cNvPr id="4" name="Google Shape;4;n"/>
-          <p:cNvSpPr txBox="1"/>
+          <p:cNvSpPr txBox="1">
+            <a:spLocks noGrp="1"/>
+          </p:cNvSpPr>
           <p:nvPr>
-            <p:ph idx="1" type="body"/>
+            <p:ph type="body" idx="1"/>
           </p:nvPr>
         </p:nvSpPr>
         <p:spPr>
@@ -386,11 +356,11 @@
           </a:ln>
         </p:spPr>
         <p:txBody>
-          <a:bodyPr anchorCtr="0" anchor="t" bIns="91425" lIns="91425" spcFirstLastPara="1" rIns="91425" wrap="square" tIns="91425">
+          <a:bodyPr wrap="square" lIns="91424" tIns="91424" rIns="91424" bIns="91424" anchor="t" anchorCtr="0">
             <a:noAutofit/>
           </a:bodyPr>
           <a:lstStyle>
-            <a:lvl1pPr indent="-317500" lvl="0" marL="457200">
+            <a:lvl1pPr marL="457200" lvl="0" indent="-317500">
               <a:spcBef>
                 <a:spcPts val="0"/>
               </a:spcBef>
@@ -401,7 +371,7 @@
               <a:buChar char="●"/>
               <a:defRPr sz="1100"/>
             </a:lvl1pPr>
-            <a:lvl2pPr indent="-317500" lvl="1" marL="914400">
+            <a:lvl2pPr marL="914400" lvl="1" indent="-317500">
               <a:spcBef>
                 <a:spcPts val="0"/>
               </a:spcBef>
@@ -412,7 +382,7 @@
               <a:buChar char="○"/>
               <a:defRPr sz="1100"/>
             </a:lvl2pPr>
-            <a:lvl3pPr indent="-317500" lvl="2" marL="1371600">
+            <a:lvl3pPr marL="1371600" lvl="2" indent="-317500">
               <a:spcBef>
                 <a:spcPts val="0"/>
               </a:spcBef>
@@ -423,7 +393,7 @@
               <a:buChar char="■"/>
               <a:defRPr sz="1100"/>
             </a:lvl3pPr>
-            <a:lvl4pPr indent="-317500" lvl="3" marL="1828800">
+            <a:lvl4pPr marL="1828800" lvl="3" indent="-317500">
               <a:spcBef>
                 <a:spcPts val="0"/>
               </a:spcBef>
@@ -434,7 +404,7 @@
               <a:buChar char="●"/>
               <a:defRPr sz="1100"/>
             </a:lvl4pPr>
-            <a:lvl5pPr indent="-317500" lvl="4" marL="2286000">
+            <a:lvl5pPr marL="2286000" lvl="4" indent="-317500">
               <a:spcBef>
                 <a:spcPts val="0"/>
               </a:spcBef>
@@ -445,7 +415,7 @@
               <a:buChar char="○"/>
               <a:defRPr sz="1100"/>
             </a:lvl5pPr>
-            <a:lvl6pPr indent="-317500" lvl="5" marL="2743200">
+            <a:lvl6pPr marL="2743200" lvl="5" indent="-317500">
               <a:spcBef>
                 <a:spcPts val="0"/>
               </a:spcBef>
@@ -456,7 +426,7 @@
               <a:buChar char="■"/>
               <a:defRPr sz="1100"/>
             </a:lvl6pPr>
-            <a:lvl7pPr indent="-317500" lvl="6" marL="3200400">
+            <a:lvl7pPr marL="3200400" lvl="6" indent="-317500">
               <a:spcBef>
                 <a:spcPts val="0"/>
               </a:spcBef>
@@ -467,7 +437,7 @@
               <a:buChar char="●"/>
               <a:defRPr sz="1100"/>
             </a:lvl7pPr>
-            <a:lvl8pPr indent="-317500" lvl="7" marL="3657600">
+            <a:lvl8pPr marL="3657600" lvl="7" indent="-317500">
               <a:spcBef>
                 <a:spcPts val="0"/>
               </a:spcBef>
@@ -478,7 +448,7 @@
               <a:buChar char="○"/>
               <a:defRPr sz="1100"/>
             </a:lvl8pPr>
-            <a:lvl9pPr indent="-317500" lvl="8" marL="4114800">
+            <a:lvl9pPr marL="4114800" lvl="8" indent="-317500">
               <a:spcBef>
                 <a:spcPts val="0"/>
               </a:spcBef>
@@ -490,14 +460,24 @@
               <a:defRPr sz="1100"/>
             </a:lvl9pPr>
           </a:lstStyle>
-          <a:p/>
+          <a:p>
+            <a:pPr>
+              <a:defRPr/>
+            </a:pPr>
+            <a:r>
+              <a:rPr lang="ko-KR" altLang="en-US"/>
+              <a:t/>
+            </a:r>
+            <a:endParaRPr lang="ko-KR" altLang="en-US"/>
+          </a:p>
         </p:txBody>
       </p:sp>
     </p:spTree>
   </p:cSld>
-  <p:clrMap accent1="accent1" accent2="accent2" accent3="accent3" accent4="accent4" accent5="accent5" accent6="accent6" bg1="lt1" bg2="dk2" tx1="dk1" tx2="lt2" folHlink="folHlink" hlink="hlink"/>
+  <p:clrMap bg1="lt1" tx1="dk1" bg2="dk2" tx2="lt2" accent1="accent1" accent2="accent2" accent3="accent3" accent4="accent4" accent5="accent5" accent6="accent6" hlink="hlink" folHlink="folHlink"/>
+  <p:hf hdr="0" ftr="0" dt="0"/>
   <p:notesStyle>
-    <a:defPPr lvl="0" marR="0" rtl="0" algn="l">
+    <a:defPPr marR="0" lvl="0" algn="l" rtl="0">
       <a:lnSpc>
         <a:spcPct val="100000"/>
       </a:lnSpc>
@@ -508,7 +488,7 @@
         <a:spcPts val="0"/>
       </a:spcAft>
     </a:defPPr>
-    <a:lvl1pPr lvl="0" marR="0" rtl="0" algn="l">
+    <a:lvl1pPr marR="0" lvl="0" algn="l" rtl="0">
       <a:lnSpc>
         <a:spcPct val="100000"/>
       </a:lnSpc>
@@ -522,7 +502,7 @@
         <a:srgbClr val="000000"/>
       </a:buClr>
       <a:buFont typeface="Arial"/>
-      <a:defRPr b="0" i="0" sz="1400" u="none" cap="none" strike="noStrike">
+      <a:defRPr sz="1400" b="0" i="0" u="none" strike="noStrike" cap="none">
         <a:solidFill>
           <a:srgbClr val="000000"/>
         </a:solidFill>
@@ -532,7 +512,7 @@
         <a:sym typeface="Arial"/>
       </a:defRPr>
     </a:lvl1pPr>
-    <a:lvl2pPr lvl="1" marR="0" rtl="0" algn="l">
+    <a:lvl2pPr marR="0" lvl="1" algn="l" rtl="0">
       <a:lnSpc>
         <a:spcPct val="100000"/>
       </a:lnSpc>
@@ -546,7 +526,7 @@
         <a:srgbClr val="000000"/>
       </a:buClr>
       <a:buFont typeface="Arial"/>
-      <a:defRPr b="0" i="0" sz="1400" u="none" cap="none" strike="noStrike">
+      <a:defRPr sz="1400" b="0" i="0" u="none" strike="noStrike" cap="none">
         <a:solidFill>
           <a:srgbClr val="000000"/>
         </a:solidFill>
@@ -556,7 +536,7 @@
         <a:sym typeface="Arial"/>
       </a:defRPr>
     </a:lvl2pPr>
-    <a:lvl3pPr lvl="2" marR="0" rtl="0" algn="l">
+    <a:lvl3pPr marR="0" lvl="2" algn="l" rtl="0">
       <a:lnSpc>
         <a:spcPct val="100000"/>
       </a:lnSpc>
@@ -570,7 +550,7 @@
         <a:srgbClr val="000000"/>
       </a:buClr>
       <a:buFont typeface="Arial"/>
-      <a:defRPr b="0" i="0" sz="1400" u="none" cap="none" strike="noStrike">
+      <a:defRPr sz="1400" b="0" i="0" u="none" strike="noStrike" cap="none">
         <a:solidFill>
           <a:srgbClr val="000000"/>
         </a:solidFill>
@@ -580,7 +560,7 @@
         <a:sym typeface="Arial"/>
       </a:defRPr>
     </a:lvl3pPr>
-    <a:lvl4pPr lvl="3" marR="0" rtl="0" algn="l">
+    <a:lvl4pPr marR="0" lvl="3" algn="l" rtl="0">
       <a:lnSpc>
         <a:spcPct val="100000"/>
       </a:lnSpc>
@@ -594,7 +574,7 @@
         <a:srgbClr val="000000"/>
       </a:buClr>
       <a:buFont typeface="Arial"/>
-      <a:defRPr b="0" i="0" sz="1400" u="none" cap="none" strike="noStrike">
+      <a:defRPr sz="1400" b="0" i="0" u="none" strike="noStrike" cap="none">
         <a:solidFill>
           <a:srgbClr val="000000"/>
         </a:solidFill>
@@ -604,7 +584,7 @@
         <a:sym typeface="Arial"/>
       </a:defRPr>
     </a:lvl4pPr>
-    <a:lvl5pPr lvl="4" marR="0" rtl="0" algn="l">
+    <a:lvl5pPr marR="0" lvl="4" algn="l" rtl="0">
       <a:lnSpc>
         <a:spcPct val="100000"/>
       </a:lnSpc>
@@ -618,7 +598,7 @@
         <a:srgbClr val="000000"/>
       </a:buClr>
       <a:buFont typeface="Arial"/>
-      <a:defRPr b="0" i="0" sz="1400" u="none" cap="none" strike="noStrike">
+      <a:defRPr sz="1400" b="0" i="0" u="none" strike="noStrike" cap="none">
         <a:solidFill>
           <a:srgbClr val="000000"/>
         </a:solidFill>
@@ -628,7 +608,7 @@
         <a:sym typeface="Arial"/>
       </a:defRPr>
     </a:lvl5pPr>
-    <a:lvl6pPr lvl="5" marR="0" rtl="0" algn="l">
+    <a:lvl6pPr marR="0" lvl="5" algn="l" rtl="0">
       <a:lnSpc>
         <a:spcPct val="100000"/>
       </a:lnSpc>
@@ -642,7 +622,7 @@
         <a:srgbClr val="000000"/>
       </a:buClr>
       <a:buFont typeface="Arial"/>
-      <a:defRPr b="0" i="0" sz="1400" u="none" cap="none" strike="noStrike">
+      <a:defRPr sz="1400" b="0" i="0" u="none" strike="noStrike" cap="none">
         <a:solidFill>
           <a:srgbClr val="000000"/>
         </a:solidFill>
@@ -652,7 +632,7 @@
         <a:sym typeface="Arial"/>
       </a:defRPr>
     </a:lvl6pPr>
-    <a:lvl7pPr lvl="6" marR="0" rtl="0" algn="l">
+    <a:lvl7pPr marR="0" lvl="6" algn="l" rtl="0">
       <a:lnSpc>
         <a:spcPct val="100000"/>
       </a:lnSpc>
@@ -666,7 +646,7 @@
         <a:srgbClr val="000000"/>
       </a:buClr>
       <a:buFont typeface="Arial"/>
-      <a:defRPr b="0" i="0" sz="1400" u="none" cap="none" strike="noStrike">
+      <a:defRPr sz="1400" b="0" i="0" u="none" strike="noStrike" cap="none">
         <a:solidFill>
           <a:srgbClr val="000000"/>
         </a:solidFill>
@@ -676,7 +656,7 @@
         <a:sym typeface="Arial"/>
       </a:defRPr>
     </a:lvl7pPr>
-    <a:lvl8pPr lvl="7" marR="0" rtl="0" algn="l">
+    <a:lvl8pPr marR="0" lvl="7" algn="l" rtl="0">
       <a:lnSpc>
         <a:spcPct val="100000"/>
       </a:lnSpc>
@@ -690,7 +670,7 @@
         <a:srgbClr val="000000"/>
       </a:buClr>
       <a:buFont typeface="Arial"/>
-      <a:defRPr b="0" i="0" sz="1400" u="none" cap="none" strike="noStrike">
+      <a:defRPr sz="1400" b="0" i="0" u="none" strike="noStrike" cap="none">
         <a:solidFill>
           <a:srgbClr val="000000"/>
         </a:solidFill>
@@ -700,7 +680,7 @@
         <a:sym typeface="Arial"/>
       </a:defRPr>
     </a:lvl8pPr>
-    <a:lvl9pPr lvl="8" marR="0" rtl="0" algn="l">
+    <a:lvl9pPr marR="0" lvl="8" algn="l" rtl="0">
       <a:lnSpc>
         <a:spcPct val="100000"/>
       </a:lnSpc>
@@ -714,7 +694,7 @@
         <a:srgbClr val="000000"/>
       </a:buClr>
       <a:buFont typeface="Arial"/>
-      <a:defRPr b="0" i="0" sz="1400" u="none" cap="none" strike="noStrike">
+      <a:defRPr sz="1400" b="0" i="0" u="none" strike="noStrike" cap="none">
         <a:solidFill>
           <a:srgbClr val="000000"/>
         </a:solidFill>
@@ -729,11 +709,11 @@
 </file>
 
 <file path=ppt/notesSlides/notesSlide1.xml><?xml version="1.0" encoding="utf-8"?>
-<p:notes xmlns:a="http://schemas.openxmlformats.org/drawingml/2006/main" xmlns:r="http://schemas.openxmlformats.org/officeDocument/2006/relationships" xmlns:mc="http://schemas.openxmlformats.org/markup-compatibility/2006" xmlns:mv="urn:schemas-microsoft-com:mac:vml" xmlns:p="http://schemas.openxmlformats.org/presentationml/2006/main" xmlns:c="http://schemas.openxmlformats.org/drawingml/2006/chart" xmlns:dgm="http://schemas.openxmlformats.org/drawingml/2006/diagram" xmlns:o="urn:schemas-microsoft-com:office:office" xmlns:v="urn:schemas-microsoft-com:vml" xmlns:pvml="urn:schemas-microsoft-com:office:powerpoint" xmlns:com="http://schemas.openxmlformats.org/drawingml/2006/compatibility" xmlns:p14="http://schemas.microsoft.com/office/powerpoint/2010/main" xmlns:p15="http://schemas.microsoft.com/office/powerpoint/2012/main" xmlns:ahyp="http://schemas.microsoft.com/office/drawing/2018/hyperlinkcolor" showMasterPhAnim="0" showMasterSp="0">
+<p:notes xmlns:r="http://schemas.openxmlformats.org/officeDocument/2006/relationships" xmlns:c="http://schemas.openxmlformats.org/drawingml/2006/chart" xmlns:a="http://schemas.openxmlformats.org/drawingml/2006/main" xmlns:dgm="http://schemas.openxmlformats.org/drawingml/2006/diagram" xmlns:dsp="http://schemas.microsoft.com/office/drawing/2008/diagram" xmlns:p="http://schemas.openxmlformats.org/presentationml/2006/main" showMasterSp="0" showMasterPhAnim="0">
   <p:cSld>
     <p:spTree>
       <p:nvGrpSpPr>
-        <p:cNvPr id="68" name="Shape 68"/>
+        <p:cNvPr id="1" name=""/>
         <p:cNvGrpSpPr/>
         <p:nvPr/>
       </p:nvGrpSpPr>
@@ -748,9 +728,11 @@
       <p:sp>
         <p:nvSpPr>
           <p:cNvPr id="69" name="Google Shape;69;gcb9a0b074_1_0:notes"/>
-          <p:cNvSpPr/>
+          <p:cNvSpPr>
+            <a:spLocks noGrp="1" noRot="1" noChangeAspect="1" noTextEdit="1"/>
+          </p:cNvSpPr>
           <p:nvPr>
-            <p:ph idx="2" type="sldImg"/>
+            <p:ph type="sldImg" idx="2"/>
           </p:nvPr>
         </p:nvSpPr>
         <p:spPr>
@@ -759,9 +741,11 @@
             <a:ext cx="6096000" cy="3429000"/>
           </a:xfrm>
           <a:custGeom>
-            <a:rect b="b" l="l" r="r" t="t"/>
+            <a:avLst/>
+            <a:gdLst/>
+            <a:rect l="l" t="t" r="r" b="b"/>
             <a:pathLst>
-              <a:path extrusionOk="0" h="120000" w="120000">
+              <a:path w="120000" h="120000" extrusionOk="0">
                 <a:moveTo>
                   <a:pt x="0" y="0"/>
                 </a:moveTo>
@@ -783,9 +767,11 @@
       <p:sp>
         <p:nvSpPr>
           <p:cNvPr id="70" name="Google Shape;70;gcb9a0b074_1_0:notes"/>
-          <p:cNvSpPr txBox="1"/>
+          <p:cNvSpPr txBox="1">
+            <a:spLocks noGrp="1"/>
+          </p:cNvSpPr>
           <p:nvPr>
-            <p:ph idx="1" type="body"/>
+            <p:ph type="body" idx="1"/>
           </p:nvPr>
         </p:nvSpPr>
         <p:spPr>
@@ -798,24 +784,26 @@
           </a:prstGeom>
         </p:spPr>
         <p:txBody>
-          <a:bodyPr anchorCtr="0" anchor="t" bIns="91425" lIns="91425" spcFirstLastPara="1" rIns="91425" wrap="square" tIns="91425">
+          <a:bodyPr wrap="square" lIns="91424" tIns="91424" rIns="91424" bIns="91424" anchor="t" anchorCtr="0">
             <a:noAutofit/>
           </a:bodyPr>
           <a:lstStyle/>
           <a:p>
-            <a:pPr indent="0" lvl="0" marL="0" rtl="0" algn="l">
-              <a:spcBef>
-                <a:spcPts val="0"/>
-              </a:spcBef>
-              <a:spcAft>
-                <a:spcPts val="0"/>
-              </a:spcAft>
-              <a:buNone/>
+            <a:pPr marL="0" lvl="0" indent="0" algn="l" rtl="0">
+              <a:spcBef>
+                <a:spcPts val="0"/>
+              </a:spcBef>
+              <a:spcAft>
+                <a:spcPts val="0"/>
+              </a:spcAft>
+              <a:buNone/>
+              <a:defRPr/>
             </a:pPr>
             <a:r>
+              <a:rPr lang="en-US" altLang="ko-KR"/>
               <a:t/>
             </a:r>
-            <a:endParaRPr/>
+            <a:endParaRPr lang="en-US" altLang="ko-KR"/>
           </a:p>
         </p:txBody>
       </p:sp>
@@ -828,11 +816,11 @@
 </file>
 
 <file path=ppt/notesSlides/notesSlide10.xml><?xml version="1.0" encoding="utf-8"?>
-<p:notes xmlns:a="http://schemas.openxmlformats.org/drawingml/2006/main" xmlns:r="http://schemas.openxmlformats.org/officeDocument/2006/relationships" xmlns:mc="http://schemas.openxmlformats.org/markup-compatibility/2006" xmlns:mv="urn:schemas-microsoft-com:mac:vml" xmlns:p="http://schemas.openxmlformats.org/presentationml/2006/main" xmlns:c="http://schemas.openxmlformats.org/drawingml/2006/chart" xmlns:dgm="http://schemas.openxmlformats.org/drawingml/2006/diagram" xmlns:o="urn:schemas-microsoft-com:office:office" xmlns:v="urn:schemas-microsoft-com:vml" xmlns:pvml="urn:schemas-microsoft-com:office:powerpoint" xmlns:com="http://schemas.openxmlformats.org/drawingml/2006/compatibility" xmlns:p14="http://schemas.microsoft.com/office/powerpoint/2010/main" xmlns:p15="http://schemas.microsoft.com/office/powerpoint/2012/main" xmlns:ahyp="http://schemas.microsoft.com/office/drawing/2018/hyperlinkcolor" showMasterPhAnim="0" showMasterSp="0">
+<p:notes xmlns:r="http://schemas.openxmlformats.org/officeDocument/2006/relationships" xmlns:c="http://schemas.openxmlformats.org/drawingml/2006/chart" xmlns:a="http://schemas.openxmlformats.org/drawingml/2006/main" xmlns:dgm="http://schemas.openxmlformats.org/drawingml/2006/diagram" xmlns:dsp="http://schemas.microsoft.com/office/drawing/2008/diagram" xmlns:p="http://schemas.openxmlformats.org/presentationml/2006/main" showMasterSp="0" showMasterPhAnim="0">
   <p:cSld>
     <p:spTree>
       <p:nvGrpSpPr>
-        <p:cNvPr id="139" name="Shape 139"/>
+        <p:cNvPr id="1" name=""/>
         <p:cNvGrpSpPr/>
         <p:nvPr/>
       </p:nvGrpSpPr>
@@ -847,9 +835,11 @@
       <p:sp>
         <p:nvSpPr>
           <p:cNvPr id="140" name="Google Shape;140;g723630543_5_23:notes"/>
-          <p:cNvSpPr/>
+          <p:cNvSpPr>
+            <a:spLocks noGrp="1" noRot="1" noChangeAspect="1" noTextEdit="1"/>
+          </p:cNvSpPr>
           <p:nvPr>
-            <p:ph idx="2" type="sldImg"/>
+            <p:ph type="sldImg" idx="2"/>
           </p:nvPr>
         </p:nvSpPr>
         <p:spPr>
@@ -858,9 +848,11 @@
             <a:ext cx="6096300" cy="3429000"/>
           </a:xfrm>
           <a:custGeom>
-            <a:rect b="b" l="l" r="r" t="t"/>
+            <a:avLst/>
+            <a:gdLst/>
+            <a:rect l="l" t="t" r="r" b="b"/>
             <a:pathLst>
-              <a:path extrusionOk="0" h="120000" w="120000">
+              <a:path w="120000" h="120000" extrusionOk="0">
                 <a:moveTo>
                   <a:pt x="0" y="0"/>
                 </a:moveTo>
@@ -882,9 +874,11 @@
       <p:sp>
         <p:nvSpPr>
           <p:cNvPr id="141" name="Google Shape;141;g723630543_5_23:notes"/>
-          <p:cNvSpPr txBox="1"/>
+          <p:cNvSpPr txBox="1">
+            <a:spLocks noGrp="1"/>
+          </p:cNvSpPr>
           <p:nvPr>
-            <p:ph idx="1" type="body"/>
+            <p:ph type="body" idx="1"/>
           </p:nvPr>
         </p:nvSpPr>
         <p:spPr>
@@ -897,24 +891,26 @@
           </a:prstGeom>
         </p:spPr>
         <p:txBody>
-          <a:bodyPr anchorCtr="0" anchor="t" bIns="91425" lIns="91425" spcFirstLastPara="1" rIns="91425" wrap="square" tIns="91425">
+          <a:bodyPr wrap="square" lIns="91424" tIns="91424" rIns="91424" bIns="91424" anchor="t" anchorCtr="0">
             <a:noAutofit/>
           </a:bodyPr>
           <a:lstStyle/>
           <a:p>
-            <a:pPr indent="0" lvl="0" marL="0" rtl="0" algn="l">
-              <a:spcBef>
-                <a:spcPts val="0"/>
-              </a:spcBef>
-              <a:spcAft>
-                <a:spcPts val="0"/>
-              </a:spcAft>
-              <a:buNone/>
+            <a:pPr marL="0" lvl="0" indent="0" algn="l" rtl="0">
+              <a:spcBef>
+                <a:spcPts val="0"/>
+              </a:spcBef>
+              <a:spcAft>
+                <a:spcPts val="0"/>
+              </a:spcAft>
+              <a:buNone/>
+              <a:defRPr/>
             </a:pPr>
             <a:r>
+              <a:rPr lang="en-US" altLang="ko-KR"/>
               <a:t/>
             </a:r>
-            <a:endParaRPr/>
+            <a:endParaRPr lang="en-US" altLang="ko-KR"/>
           </a:p>
         </p:txBody>
       </p:sp>
@@ -927,11 +923,11 @@
 </file>
 
 <file path=ppt/notesSlides/notesSlide11.xml><?xml version="1.0" encoding="utf-8"?>
-<p:notes xmlns:a="http://schemas.openxmlformats.org/drawingml/2006/main" xmlns:r="http://schemas.openxmlformats.org/officeDocument/2006/relationships" xmlns:mc="http://schemas.openxmlformats.org/markup-compatibility/2006" xmlns:mv="urn:schemas-microsoft-com:mac:vml" xmlns:p="http://schemas.openxmlformats.org/presentationml/2006/main" xmlns:c="http://schemas.openxmlformats.org/drawingml/2006/chart" xmlns:dgm="http://schemas.openxmlformats.org/drawingml/2006/diagram" xmlns:o="urn:schemas-microsoft-com:office:office" xmlns:v="urn:schemas-microsoft-com:vml" xmlns:pvml="urn:schemas-microsoft-com:office:powerpoint" xmlns:com="http://schemas.openxmlformats.org/drawingml/2006/compatibility" xmlns:p14="http://schemas.microsoft.com/office/powerpoint/2010/main" xmlns:p15="http://schemas.microsoft.com/office/powerpoint/2012/main" xmlns:ahyp="http://schemas.microsoft.com/office/drawing/2018/hyperlinkcolor" showMasterPhAnim="0" showMasterSp="0">
+<p:notes xmlns:r="http://schemas.openxmlformats.org/officeDocument/2006/relationships" xmlns:c="http://schemas.openxmlformats.org/drawingml/2006/chart" xmlns:a="http://schemas.openxmlformats.org/drawingml/2006/main" xmlns:dgm="http://schemas.openxmlformats.org/drawingml/2006/diagram" xmlns:dsp="http://schemas.microsoft.com/office/drawing/2008/diagram" xmlns:p="http://schemas.openxmlformats.org/presentationml/2006/main" showMasterSp="0" showMasterPhAnim="0">
   <p:cSld>
     <p:spTree>
       <p:nvGrpSpPr>
-        <p:cNvPr id="146" name="Shape 146"/>
+        <p:cNvPr id="1" name=""/>
         <p:cNvGrpSpPr/>
         <p:nvPr/>
       </p:nvGrpSpPr>
@@ -946,9 +942,11 @@
       <p:sp>
         <p:nvSpPr>
           <p:cNvPr id="147" name="Google Shape;147;g9eebec0fac_0_30:notes"/>
-          <p:cNvSpPr/>
+          <p:cNvSpPr>
+            <a:spLocks noGrp="1" noRot="1" noChangeAspect="1" noTextEdit="1"/>
+          </p:cNvSpPr>
           <p:nvPr>
-            <p:ph idx="2" type="sldImg"/>
+            <p:ph type="sldImg" idx="2"/>
           </p:nvPr>
         </p:nvSpPr>
         <p:spPr>
@@ -957,9 +955,11 @@
             <a:ext cx="6096000" cy="3429000"/>
           </a:xfrm>
           <a:custGeom>
-            <a:rect b="b" l="l" r="r" t="t"/>
+            <a:avLst/>
+            <a:gdLst/>
+            <a:rect l="l" t="t" r="r" b="b"/>
             <a:pathLst>
-              <a:path extrusionOk="0" h="120000" w="120000">
+              <a:path w="120000" h="120000" extrusionOk="0">
                 <a:moveTo>
                   <a:pt x="0" y="0"/>
                 </a:moveTo>
@@ -981,9 +981,11 @@
       <p:sp>
         <p:nvSpPr>
           <p:cNvPr id="148" name="Google Shape;148;g9eebec0fac_0_30:notes"/>
-          <p:cNvSpPr txBox="1"/>
+          <p:cNvSpPr txBox="1">
+            <a:spLocks noGrp="1"/>
+          </p:cNvSpPr>
           <p:nvPr>
-            <p:ph idx="1" type="body"/>
+            <p:ph type="body" idx="1"/>
           </p:nvPr>
         </p:nvSpPr>
         <p:spPr>
@@ -996,24 +998,26 @@
           </a:prstGeom>
         </p:spPr>
         <p:txBody>
-          <a:bodyPr anchorCtr="0" anchor="t" bIns="91425" lIns="91425" spcFirstLastPara="1" rIns="91425" wrap="square" tIns="91425">
+          <a:bodyPr wrap="square" lIns="91424" tIns="91424" rIns="91424" bIns="91424" anchor="t" anchorCtr="0">
             <a:noAutofit/>
           </a:bodyPr>
           <a:lstStyle/>
           <a:p>
-            <a:pPr indent="0" lvl="0" marL="0" rtl="0" algn="l">
-              <a:spcBef>
-                <a:spcPts val="0"/>
-              </a:spcBef>
-              <a:spcAft>
-                <a:spcPts val="0"/>
-              </a:spcAft>
-              <a:buNone/>
+            <a:pPr marL="0" lvl="0" indent="0" algn="l" rtl="0">
+              <a:spcBef>
+                <a:spcPts val="0"/>
+              </a:spcBef>
+              <a:spcAft>
+                <a:spcPts val="0"/>
+              </a:spcAft>
+              <a:buNone/>
+              <a:defRPr/>
             </a:pPr>
             <a:r>
+              <a:rPr lang="ko-KR" altLang="en-US"/>
               <a:t/>
             </a:r>
-            <a:endParaRPr/>
+            <a:endParaRPr lang="ko-KR" altLang="en-US"/>
           </a:p>
         </p:txBody>
       </p:sp>
@@ -1026,11 +1030,11 @@
 </file>
 
 <file path=ppt/notesSlides/notesSlide12.xml><?xml version="1.0" encoding="utf-8"?>
-<p:notes xmlns:a="http://schemas.openxmlformats.org/drawingml/2006/main" xmlns:r="http://schemas.openxmlformats.org/officeDocument/2006/relationships" xmlns:mc="http://schemas.openxmlformats.org/markup-compatibility/2006" xmlns:mv="urn:schemas-microsoft-com:mac:vml" xmlns:p="http://schemas.openxmlformats.org/presentationml/2006/main" xmlns:c="http://schemas.openxmlformats.org/drawingml/2006/chart" xmlns:dgm="http://schemas.openxmlformats.org/drawingml/2006/diagram" xmlns:o="urn:schemas-microsoft-com:office:office" xmlns:v="urn:schemas-microsoft-com:vml" xmlns:pvml="urn:schemas-microsoft-com:office:powerpoint" xmlns:com="http://schemas.openxmlformats.org/drawingml/2006/compatibility" xmlns:p14="http://schemas.microsoft.com/office/powerpoint/2010/main" xmlns:p15="http://schemas.microsoft.com/office/powerpoint/2012/main" xmlns:ahyp="http://schemas.microsoft.com/office/drawing/2018/hyperlinkcolor" showMasterPhAnim="0" showMasterSp="0">
+<p:notes xmlns:r="http://schemas.openxmlformats.org/officeDocument/2006/relationships" xmlns:c="http://schemas.openxmlformats.org/drawingml/2006/chart" xmlns:a="http://schemas.openxmlformats.org/drawingml/2006/main" xmlns:dgm="http://schemas.openxmlformats.org/drawingml/2006/diagram" xmlns:dsp="http://schemas.microsoft.com/office/drawing/2008/diagram" xmlns:p="http://schemas.openxmlformats.org/presentationml/2006/main" showMasterSp="0" showMasterPhAnim="0">
   <p:cSld>
     <p:spTree>
       <p:nvGrpSpPr>
-        <p:cNvPr id="152" name="Shape 152"/>
+        <p:cNvPr id="1" name=""/>
         <p:cNvGrpSpPr/>
         <p:nvPr/>
       </p:nvGrpSpPr>
@@ -1045,9 +1049,11 @@
       <p:sp>
         <p:nvSpPr>
           <p:cNvPr id="153" name="Google Shape;153;ge965474a9_3_379:notes"/>
-          <p:cNvSpPr/>
+          <p:cNvSpPr>
+            <a:spLocks noGrp="1" noRot="1" noChangeAspect="1" noTextEdit="1"/>
+          </p:cNvSpPr>
           <p:nvPr>
-            <p:ph idx="2" type="sldImg"/>
+            <p:ph type="sldImg" idx="2"/>
           </p:nvPr>
         </p:nvSpPr>
         <p:spPr>
@@ -1056,9 +1062,11 @@
             <a:ext cx="6096300" cy="3429000"/>
           </a:xfrm>
           <a:custGeom>
-            <a:rect b="b" l="l" r="r" t="t"/>
+            <a:avLst/>
+            <a:gdLst/>
+            <a:rect l="l" t="t" r="r" b="b"/>
             <a:pathLst>
-              <a:path extrusionOk="0" h="120000" w="120000">
+              <a:path w="120000" h="120000" extrusionOk="0">
                 <a:moveTo>
                   <a:pt x="0" y="0"/>
                 </a:moveTo>
@@ -1080,9 +1088,11 @@
       <p:sp>
         <p:nvSpPr>
           <p:cNvPr id="154" name="Google Shape;154;ge965474a9_3_379:notes"/>
-          <p:cNvSpPr txBox="1"/>
+          <p:cNvSpPr txBox="1">
+            <a:spLocks noGrp="1"/>
+          </p:cNvSpPr>
           <p:nvPr>
-            <p:ph idx="1" type="body"/>
+            <p:ph type="body" idx="1"/>
           </p:nvPr>
         </p:nvSpPr>
         <p:spPr>
@@ -1095,24 +1105,26 @@
           </a:prstGeom>
         </p:spPr>
         <p:txBody>
-          <a:bodyPr anchorCtr="0" anchor="t" bIns="91425" lIns="91425" spcFirstLastPara="1" rIns="91425" wrap="square" tIns="91425">
+          <a:bodyPr wrap="square" lIns="91424" tIns="91424" rIns="91424" bIns="91424" anchor="t" anchorCtr="0">
             <a:noAutofit/>
           </a:bodyPr>
           <a:lstStyle/>
           <a:p>
-            <a:pPr indent="0" lvl="0" marL="0" rtl="0" algn="l">
-              <a:spcBef>
-                <a:spcPts val="0"/>
-              </a:spcBef>
-              <a:spcAft>
-                <a:spcPts val="0"/>
-              </a:spcAft>
-              <a:buNone/>
+            <a:pPr marL="0" lvl="0" indent="0" algn="l" rtl="0">
+              <a:spcBef>
+                <a:spcPts val="0"/>
+              </a:spcBef>
+              <a:spcAft>
+                <a:spcPts val="0"/>
+              </a:spcAft>
+              <a:buNone/>
+              <a:defRPr/>
             </a:pPr>
             <a:r>
+              <a:rPr lang="ko-KR" altLang="en-US"/>
               <a:t/>
             </a:r>
-            <a:endParaRPr/>
+            <a:endParaRPr lang="ko-KR" altLang="en-US"/>
           </a:p>
         </p:txBody>
       </p:sp>
@@ -1125,11 +1137,11 @@
 </file>
 
 <file path=ppt/notesSlides/notesSlide13.xml><?xml version="1.0" encoding="utf-8"?>
-<p:notes xmlns:a="http://schemas.openxmlformats.org/drawingml/2006/main" xmlns:r="http://schemas.openxmlformats.org/officeDocument/2006/relationships" xmlns:mc="http://schemas.openxmlformats.org/markup-compatibility/2006" xmlns:mv="urn:schemas-microsoft-com:mac:vml" xmlns:p="http://schemas.openxmlformats.org/presentationml/2006/main" xmlns:c="http://schemas.openxmlformats.org/drawingml/2006/chart" xmlns:dgm="http://schemas.openxmlformats.org/drawingml/2006/diagram" xmlns:o="urn:schemas-microsoft-com:office:office" xmlns:v="urn:schemas-microsoft-com:vml" xmlns:pvml="urn:schemas-microsoft-com:office:powerpoint" xmlns:com="http://schemas.openxmlformats.org/drawingml/2006/compatibility" xmlns:p14="http://schemas.microsoft.com/office/powerpoint/2010/main" xmlns:p15="http://schemas.microsoft.com/office/powerpoint/2012/main" xmlns:ahyp="http://schemas.microsoft.com/office/drawing/2018/hyperlinkcolor" showMasterPhAnim="0" showMasterSp="0">
+<p:notes xmlns:r="http://schemas.openxmlformats.org/officeDocument/2006/relationships" xmlns:c="http://schemas.openxmlformats.org/drawingml/2006/chart" xmlns:a="http://schemas.openxmlformats.org/drawingml/2006/main" xmlns:dgm="http://schemas.openxmlformats.org/drawingml/2006/diagram" xmlns:dsp="http://schemas.microsoft.com/office/drawing/2008/diagram" xmlns:p="http://schemas.openxmlformats.org/presentationml/2006/main" showMasterSp="0" showMasterPhAnim="0">
   <p:cSld>
     <p:spTree>
       <p:nvGrpSpPr>
-        <p:cNvPr id="158" name="Shape 158"/>
+        <p:cNvPr id="1" name=""/>
         <p:cNvGrpSpPr/>
         <p:nvPr/>
       </p:nvGrpSpPr>
@@ -1144,9 +1156,11 @@
       <p:sp>
         <p:nvSpPr>
           <p:cNvPr id="159" name="Google Shape;159;ge965474a9_3_399:notes"/>
-          <p:cNvSpPr/>
+          <p:cNvSpPr>
+            <a:spLocks noGrp="1" noRot="1" noChangeAspect="1" noTextEdit="1"/>
+          </p:cNvSpPr>
           <p:nvPr>
-            <p:ph idx="2" type="sldImg"/>
+            <p:ph type="sldImg" idx="2"/>
           </p:nvPr>
         </p:nvSpPr>
         <p:spPr>
@@ -1155,9 +1169,11 @@
             <a:ext cx="6096000" cy="3429000"/>
           </a:xfrm>
           <a:custGeom>
-            <a:rect b="b" l="l" r="r" t="t"/>
+            <a:avLst/>
+            <a:gdLst/>
+            <a:rect l="l" t="t" r="r" b="b"/>
             <a:pathLst>
-              <a:path extrusionOk="0" h="120000" w="120000">
+              <a:path w="120000" h="120000" extrusionOk="0">
                 <a:moveTo>
                   <a:pt x="0" y="0"/>
                 </a:moveTo>
@@ -1179,9 +1195,11 @@
       <p:sp>
         <p:nvSpPr>
           <p:cNvPr id="160" name="Google Shape;160;ge965474a9_3_399:notes"/>
-          <p:cNvSpPr txBox="1"/>
+          <p:cNvSpPr txBox="1">
+            <a:spLocks noGrp="1"/>
+          </p:cNvSpPr>
           <p:nvPr>
-            <p:ph idx="1" type="body"/>
+            <p:ph type="body" idx="1"/>
           </p:nvPr>
         </p:nvSpPr>
         <p:spPr>
@@ -1194,24 +1212,26 @@
           </a:prstGeom>
         </p:spPr>
         <p:txBody>
-          <a:bodyPr anchorCtr="0" anchor="t" bIns="91425" lIns="91425" spcFirstLastPara="1" rIns="91425" wrap="square" tIns="91425">
+          <a:bodyPr wrap="square" lIns="91424" tIns="91424" rIns="91424" bIns="91424" anchor="t" anchorCtr="0">
             <a:noAutofit/>
           </a:bodyPr>
           <a:lstStyle/>
           <a:p>
-            <a:pPr indent="0" lvl="0" marL="0" rtl="0" algn="l">
-              <a:spcBef>
-                <a:spcPts val="0"/>
-              </a:spcBef>
-              <a:spcAft>
-                <a:spcPts val="0"/>
-              </a:spcAft>
-              <a:buNone/>
+            <a:pPr marL="0" lvl="0" indent="0" algn="l" rtl="0">
+              <a:spcBef>
+                <a:spcPts val="0"/>
+              </a:spcBef>
+              <a:spcAft>
+                <a:spcPts val="0"/>
+              </a:spcAft>
+              <a:buNone/>
+              <a:defRPr/>
             </a:pPr>
             <a:r>
+              <a:rPr lang="ko-KR" altLang="en-US"/>
               <a:t/>
             </a:r>
-            <a:endParaRPr/>
+            <a:endParaRPr lang="ko-KR" altLang="en-US"/>
           </a:p>
         </p:txBody>
       </p:sp>
@@ -1224,11 +1244,11 @@
 </file>
 
 <file path=ppt/notesSlides/notesSlide14.xml><?xml version="1.0" encoding="utf-8"?>
-<p:notes xmlns:a="http://schemas.openxmlformats.org/drawingml/2006/main" xmlns:r="http://schemas.openxmlformats.org/officeDocument/2006/relationships" xmlns:mc="http://schemas.openxmlformats.org/markup-compatibility/2006" xmlns:mv="urn:schemas-microsoft-com:mac:vml" xmlns:p="http://schemas.openxmlformats.org/presentationml/2006/main" xmlns:c="http://schemas.openxmlformats.org/drawingml/2006/chart" xmlns:dgm="http://schemas.openxmlformats.org/drawingml/2006/diagram" xmlns:o="urn:schemas-microsoft-com:office:office" xmlns:v="urn:schemas-microsoft-com:vml" xmlns:pvml="urn:schemas-microsoft-com:office:powerpoint" xmlns:com="http://schemas.openxmlformats.org/drawingml/2006/compatibility" xmlns:p14="http://schemas.microsoft.com/office/powerpoint/2010/main" xmlns:p15="http://schemas.microsoft.com/office/powerpoint/2012/main" xmlns:ahyp="http://schemas.microsoft.com/office/drawing/2018/hyperlinkcolor" showMasterPhAnim="0" showMasterSp="0">
+<p:notes xmlns:r="http://schemas.openxmlformats.org/officeDocument/2006/relationships" xmlns:c="http://schemas.openxmlformats.org/drawingml/2006/chart" xmlns:a="http://schemas.openxmlformats.org/drawingml/2006/main" xmlns:dgm="http://schemas.openxmlformats.org/drawingml/2006/diagram" xmlns:dsp="http://schemas.microsoft.com/office/drawing/2008/diagram" xmlns:p="http://schemas.openxmlformats.org/presentationml/2006/main" showMasterSp="0" showMasterPhAnim="0">
   <p:cSld>
     <p:spTree>
       <p:nvGrpSpPr>
-        <p:cNvPr id="163" name="Shape 163"/>
+        <p:cNvPr id="1" name=""/>
         <p:cNvGrpSpPr/>
         <p:nvPr/>
       </p:nvGrpSpPr>
@@ -1243,9 +1263,11 @@
       <p:sp>
         <p:nvSpPr>
           <p:cNvPr id="164" name="Google Shape;164;gcb9a0b074_1_140:notes"/>
-          <p:cNvSpPr/>
+          <p:cNvSpPr>
+            <a:spLocks noGrp="1" noRot="1" noChangeAspect="1" noTextEdit="1"/>
+          </p:cNvSpPr>
           <p:nvPr>
-            <p:ph idx="2" type="sldImg"/>
+            <p:ph type="sldImg" idx="2"/>
           </p:nvPr>
         </p:nvSpPr>
         <p:spPr>
@@ -1254,9 +1276,11 @@
             <a:ext cx="6096000" cy="3429000"/>
           </a:xfrm>
           <a:custGeom>
-            <a:rect b="b" l="l" r="r" t="t"/>
+            <a:avLst/>
+            <a:gdLst/>
+            <a:rect l="l" t="t" r="r" b="b"/>
             <a:pathLst>
-              <a:path extrusionOk="0" h="120000" w="120000">
+              <a:path w="120000" h="120000" extrusionOk="0">
                 <a:moveTo>
                   <a:pt x="0" y="0"/>
                 </a:moveTo>
@@ -1278,9 +1302,11 @@
       <p:sp>
         <p:nvSpPr>
           <p:cNvPr id="165" name="Google Shape;165;gcb9a0b074_1_140:notes"/>
-          <p:cNvSpPr txBox="1"/>
+          <p:cNvSpPr txBox="1">
+            <a:spLocks noGrp="1"/>
+          </p:cNvSpPr>
           <p:nvPr>
-            <p:ph idx="1" type="body"/>
+            <p:ph type="body" idx="1"/>
           </p:nvPr>
         </p:nvSpPr>
         <p:spPr>
@@ -1293,24 +1319,26 @@
           </a:prstGeom>
         </p:spPr>
         <p:txBody>
-          <a:bodyPr anchorCtr="0" anchor="t" bIns="91425" lIns="91425" spcFirstLastPara="1" rIns="91425" wrap="square" tIns="91425">
+          <a:bodyPr wrap="square" lIns="91424" tIns="91424" rIns="91424" bIns="91424" anchor="t" anchorCtr="0">
             <a:noAutofit/>
           </a:bodyPr>
           <a:lstStyle/>
           <a:p>
-            <a:pPr indent="0" lvl="0" marL="0" rtl="0" algn="l">
-              <a:spcBef>
-                <a:spcPts val="0"/>
-              </a:spcBef>
-              <a:spcAft>
-                <a:spcPts val="0"/>
-              </a:spcAft>
-              <a:buNone/>
+            <a:pPr marL="0" lvl="0" indent="0" algn="l" rtl="0">
+              <a:spcBef>
+                <a:spcPts val="0"/>
+              </a:spcBef>
+              <a:spcAft>
+                <a:spcPts val="0"/>
+              </a:spcAft>
+              <a:buNone/>
+              <a:defRPr/>
             </a:pPr>
             <a:r>
+              <a:rPr lang="ko-KR" altLang="en-US"/>
               <a:t/>
             </a:r>
-            <a:endParaRPr/>
+            <a:endParaRPr lang="ko-KR" altLang="en-US"/>
           </a:p>
         </p:txBody>
       </p:sp>
@@ -1323,11 +1351,11 @@
 </file>
 
 <file path=ppt/notesSlides/notesSlide15.xml><?xml version="1.0" encoding="utf-8"?>
-<p:notes xmlns:a="http://schemas.openxmlformats.org/drawingml/2006/main" xmlns:r="http://schemas.openxmlformats.org/officeDocument/2006/relationships" xmlns:mc="http://schemas.openxmlformats.org/markup-compatibility/2006" xmlns:mv="urn:schemas-microsoft-com:mac:vml" xmlns:p="http://schemas.openxmlformats.org/presentationml/2006/main" xmlns:c="http://schemas.openxmlformats.org/drawingml/2006/chart" xmlns:dgm="http://schemas.openxmlformats.org/drawingml/2006/diagram" xmlns:o="urn:schemas-microsoft-com:office:office" xmlns:v="urn:schemas-microsoft-com:vml" xmlns:pvml="urn:schemas-microsoft-com:office:powerpoint" xmlns:com="http://schemas.openxmlformats.org/drawingml/2006/compatibility" xmlns:p14="http://schemas.microsoft.com/office/powerpoint/2010/main" xmlns:p15="http://schemas.microsoft.com/office/powerpoint/2012/main" xmlns:ahyp="http://schemas.microsoft.com/office/drawing/2018/hyperlinkcolor" showMasterPhAnim="0" showMasterSp="0">
+<p:notes xmlns:r="http://schemas.openxmlformats.org/officeDocument/2006/relationships" xmlns:c="http://schemas.openxmlformats.org/drawingml/2006/chart" xmlns:a="http://schemas.openxmlformats.org/drawingml/2006/main" xmlns:dgm="http://schemas.openxmlformats.org/drawingml/2006/diagram" xmlns:dsp="http://schemas.microsoft.com/office/drawing/2008/diagram" xmlns:p="http://schemas.openxmlformats.org/presentationml/2006/main" showMasterSp="0" showMasterPhAnim="0">
   <p:cSld>
     <p:spTree>
       <p:nvGrpSpPr>
-        <p:cNvPr id="168" name="Shape 168"/>
+        <p:cNvPr id="1" name=""/>
         <p:cNvGrpSpPr/>
         <p:nvPr/>
       </p:nvGrpSpPr>
@@ -1342,9 +1370,11 @@
       <p:sp>
         <p:nvSpPr>
           <p:cNvPr id="169" name="Google Shape;169;gcb9a0b074_1_148:notes"/>
-          <p:cNvSpPr/>
+          <p:cNvSpPr>
+            <a:spLocks noGrp="1" noRot="1" noChangeAspect="1" noTextEdit="1"/>
+          </p:cNvSpPr>
           <p:nvPr>
-            <p:ph idx="2" type="sldImg"/>
+            <p:ph type="sldImg" idx="2"/>
           </p:nvPr>
         </p:nvSpPr>
         <p:spPr>
@@ -1353,9 +1383,11 @@
             <a:ext cx="6096000" cy="3429000"/>
           </a:xfrm>
           <a:custGeom>
-            <a:rect b="b" l="l" r="r" t="t"/>
+            <a:avLst/>
+            <a:gdLst/>
+            <a:rect l="l" t="t" r="r" b="b"/>
             <a:pathLst>
-              <a:path extrusionOk="0" h="120000" w="120000">
+              <a:path w="120000" h="120000" extrusionOk="0">
                 <a:moveTo>
                   <a:pt x="0" y="0"/>
                 </a:moveTo>
@@ -1377,9 +1409,11 @@
       <p:sp>
         <p:nvSpPr>
           <p:cNvPr id="170" name="Google Shape;170;gcb9a0b074_1_148:notes"/>
-          <p:cNvSpPr txBox="1"/>
+          <p:cNvSpPr txBox="1">
+            <a:spLocks noGrp="1"/>
+          </p:cNvSpPr>
           <p:nvPr>
-            <p:ph idx="1" type="body"/>
+            <p:ph type="body" idx="1"/>
           </p:nvPr>
         </p:nvSpPr>
         <p:spPr>
@@ -1392,24 +1426,26 @@
           </a:prstGeom>
         </p:spPr>
         <p:txBody>
-          <a:bodyPr anchorCtr="0" anchor="t" bIns="91425" lIns="91425" spcFirstLastPara="1" rIns="91425" wrap="square" tIns="91425">
+          <a:bodyPr wrap="square" lIns="91424" tIns="91424" rIns="91424" bIns="91424" anchor="t" anchorCtr="0">
             <a:noAutofit/>
           </a:bodyPr>
           <a:lstStyle/>
           <a:p>
-            <a:pPr indent="0" lvl="0" marL="0" rtl="0" algn="l">
-              <a:spcBef>
-                <a:spcPts val="0"/>
-              </a:spcBef>
-              <a:spcAft>
-                <a:spcPts val="0"/>
-              </a:spcAft>
-              <a:buNone/>
+            <a:pPr marL="0" lvl="0" indent="0" algn="l" rtl="0">
+              <a:spcBef>
+                <a:spcPts val="0"/>
+              </a:spcBef>
+              <a:spcAft>
+                <a:spcPts val="0"/>
+              </a:spcAft>
+              <a:buNone/>
+              <a:defRPr/>
             </a:pPr>
             <a:r>
+              <a:rPr lang="ko-KR" altLang="en-US"/>
               <a:t/>
             </a:r>
-            <a:endParaRPr/>
+            <a:endParaRPr lang="ko-KR" altLang="en-US"/>
           </a:p>
         </p:txBody>
       </p:sp>
@@ -1422,11 +1458,11 @@
 </file>
 
 <file path=ppt/notesSlides/notesSlide16.xml><?xml version="1.0" encoding="utf-8"?>
-<p:notes xmlns:a="http://schemas.openxmlformats.org/drawingml/2006/main" xmlns:r="http://schemas.openxmlformats.org/officeDocument/2006/relationships" xmlns:mc="http://schemas.openxmlformats.org/markup-compatibility/2006" xmlns:mv="urn:schemas-microsoft-com:mac:vml" xmlns:p="http://schemas.openxmlformats.org/presentationml/2006/main" xmlns:c="http://schemas.openxmlformats.org/drawingml/2006/chart" xmlns:dgm="http://schemas.openxmlformats.org/drawingml/2006/diagram" xmlns:o="urn:schemas-microsoft-com:office:office" xmlns:v="urn:schemas-microsoft-com:vml" xmlns:pvml="urn:schemas-microsoft-com:office:powerpoint" xmlns:com="http://schemas.openxmlformats.org/drawingml/2006/compatibility" xmlns:p14="http://schemas.microsoft.com/office/powerpoint/2010/main" xmlns:p15="http://schemas.microsoft.com/office/powerpoint/2012/main" xmlns:ahyp="http://schemas.microsoft.com/office/drawing/2018/hyperlinkcolor" showMasterPhAnim="0" showMasterSp="0">
+<p:notes xmlns:r="http://schemas.openxmlformats.org/officeDocument/2006/relationships" xmlns:c="http://schemas.openxmlformats.org/drawingml/2006/chart" xmlns:a="http://schemas.openxmlformats.org/drawingml/2006/main" xmlns:dgm="http://schemas.openxmlformats.org/drawingml/2006/diagram" xmlns:dsp="http://schemas.microsoft.com/office/drawing/2008/diagram" xmlns:p="http://schemas.openxmlformats.org/presentationml/2006/main" showMasterSp="0" showMasterPhAnim="0">
   <p:cSld>
     <p:spTree>
       <p:nvGrpSpPr>
-        <p:cNvPr id="178" name="Shape 178"/>
+        <p:cNvPr id="1" name=""/>
         <p:cNvGrpSpPr/>
         <p:nvPr/>
       </p:nvGrpSpPr>
@@ -1441,9 +1477,11 @@
       <p:sp>
         <p:nvSpPr>
           <p:cNvPr id="179" name="Google Shape;179;ge965474a9_3_282:notes"/>
-          <p:cNvSpPr/>
+          <p:cNvSpPr>
+            <a:spLocks noGrp="1" noRot="1" noChangeAspect="1" noTextEdit="1"/>
+          </p:cNvSpPr>
           <p:nvPr>
-            <p:ph idx="2" type="sldImg"/>
+            <p:ph type="sldImg" idx="2"/>
           </p:nvPr>
         </p:nvSpPr>
         <p:spPr>
@@ -1452,9 +1490,11 @@
             <a:ext cx="6096000" cy="3429000"/>
           </a:xfrm>
           <a:custGeom>
-            <a:rect b="b" l="l" r="r" t="t"/>
+            <a:avLst/>
+            <a:gdLst/>
+            <a:rect l="l" t="t" r="r" b="b"/>
             <a:pathLst>
-              <a:path extrusionOk="0" h="120000" w="120000">
+              <a:path w="120000" h="120000" extrusionOk="0">
                 <a:moveTo>
                   <a:pt x="0" y="0"/>
                 </a:moveTo>
@@ -1476,9 +1516,11 @@
       <p:sp>
         <p:nvSpPr>
           <p:cNvPr id="180" name="Google Shape;180;ge965474a9_3_282:notes"/>
-          <p:cNvSpPr txBox="1"/>
+          <p:cNvSpPr txBox="1">
+            <a:spLocks noGrp="1"/>
+          </p:cNvSpPr>
           <p:nvPr>
-            <p:ph idx="1" type="body"/>
+            <p:ph type="body" idx="1"/>
           </p:nvPr>
         </p:nvSpPr>
         <p:spPr>
@@ -1491,24 +1533,26 @@
           </a:prstGeom>
         </p:spPr>
         <p:txBody>
-          <a:bodyPr anchorCtr="0" anchor="t" bIns="91425" lIns="91425" spcFirstLastPara="1" rIns="91425" wrap="square" tIns="91425">
+          <a:bodyPr wrap="square" lIns="91424" tIns="91424" rIns="91424" bIns="91424" anchor="t" anchorCtr="0">
             <a:noAutofit/>
           </a:bodyPr>
           <a:lstStyle/>
           <a:p>
-            <a:pPr indent="0" lvl="0" marL="0" rtl="0" algn="l">
-              <a:spcBef>
-                <a:spcPts val="0"/>
-              </a:spcBef>
-              <a:spcAft>
-                <a:spcPts val="0"/>
-              </a:spcAft>
-              <a:buNone/>
+            <a:pPr marL="0" lvl="0" indent="0" algn="l" rtl="0">
+              <a:spcBef>
+                <a:spcPts val="0"/>
+              </a:spcBef>
+              <a:spcAft>
+                <a:spcPts val="0"/>
+              </a:spcAft>
+              <a:buNone/>
+              <a:defRPr/>
             </a:pPr>
             <a:r>
+              <a:rPr lang="ko-KR" altLang="en-US"/>
               <a:t/>
             </a:r>
-            <a:endParaRPr/>
+            <a:endParaRPr lang="ko-KR" altLang="en-US"/>
           </a:p>
         </p:txBody>
       </p:sp>
@@ -1521,11 +1565,11 @@
 </file>
 
 <file path=ppt/notesSlides/notesSlide17.xml><?xml version="1.0" encoding="utf-8"?>
-<p:notes xmlns:a="http://schemas.openxmlformats.org/drawingml/2006/main" xmlns:r="http://schemas.openxmlformats.org/officeDocument/2006/relationships" xmlns:mc="http://schemas.openxmlformats.org/markup-compatibility/2006" xmlns:mv="urn:schemas-microsoft-com:mac:vml" xmlns:p="http://schemas.openxmlformats.org/presentationml/2006/main" xmlns:c="http://schemas.openxmlformats.org/drawingml/2006/chart" xmlns:dgm="http://schemas.openxmlformats.org/drawingml/2006/diagram" xmlns:o="urn:schemas-microsoft-com:office:office" xmlns:v="urn:schemas-microsoft-com:vml" xmlns:pvml="urn:schemas-microsoft-com:office:powerpoint" xmlns:com="http://schemas.openxmlformats.org/drawingml/2006/compatibility" xmlns:p14="http://schemas.microsoft.com/office/powerpoint/2010/main" xmlns:p15="http://schemas.microsoft.com/office/powerpoint/2012/main" xmlns:ahyp="http://schemas.microsoft.com/office/drawing/2018/hyperlinkcolor" showMasterPhAnim="0" showMasterSp="0">
+<p:notes xmlns:r="http://schemas.openxmlformats.org/officeDocument/2006/relationships" xmlns:c="http://schemas.openxmlformats.org/drawingml/2006/chart" xmlns:a="http://schemas.openxmlformats.org/drawingml/2006/main" xmlns:dgm="http://schemas.openxmlformats.org/drawingml/2006/diagram" xmlns:dsp="http://schemas.microsoft.com/office/drawing/2008/diagram" xmlns:p="http://schemas.openxmlformats.org/presentationml/2006/main" showMasterSp="0" showMasterPhAnim="0">
   <p:cSld>
     <p:spTree>
       <p:nvGrpSpPr>
-        <p:cNvPr id="211" name="Shape 211"/>
+        <p:cNvPr id="1" name=""/>
         <p:cNvGrpSpPr/>
         <p:nvPr/>
       </p:nvGrpSpPr>
@@ -1540,9 +1584,11 @@
       <p:sp>
         <p:nvSpPr>
           <p:cNvPr id="212" name="Google Shape;212;gcb9a0b074_2_0:notes"/>
-          <p:cNvSpPr/>
+          <p:cNvSpPr>
+            <a:spLocks noGrp="1" noRot="1" noChangeAspect="1" noTextEdit="1"/>
+          </p:cNvSpPr>
           <p:nvPr>
-            <p:ph idx="2" type="sldImg"/>
+            <p:ph type="sldImg" idx="2"/>
           </p:nvPr>
         </p:nvSpPr>
         <p:spPr>
@@ -1551,9 +1597,11 @@
             <a:ext cx="6096000" cy="3429000"/>
           </a:xfrm>
           <a:custGeom>
-            <a:rect b="b" l="l" r="r" t="t"/>
+            <a:avLst/>
+            <a:gdLst/>
+            <a:rect l="l" t="t" r="r" b="b"/>
             <a:pathLst>
-              <a:path extrusionOk="0" h="120000" w="120000">
+              <a:path w="120000" h="120000" extrusionOk="0">
                 <a:moveTo>
                   <a:pt x="0" y="0"/>
                 </a:moveTo>
@@ -1575,9 +1623,11 @@
       <p:sp>
         <p:nvSpPr>
           <p:cNvPr id="213" name="Google Shape;213;gcb9a0b074_2_0:notes"/>
-          <p:cNvSpPr txBox="1"/>
+          <p:cNvSpPr txBox="1">
+            <a:spLocks noGrp="1"/>
+          </p:cNvSpPr>
           <p:nvPr>
-            <p:ph idx="1" type="body"/>
+            <p:ph type="body" idx="1"/>
           </p:nvPr>
         </p:nvSpPr>
         <p:spPr>
@@ -1590,24 +1640,26 @@
           </a:prstGeom>
         </p:spPr>
         <p:txBody>
-          <a:bodyPr anchorCtr="0" anchor="t" bIns="91425" lIns="91425" spcFirstLastPara="1" rIns="91425" wrap="square" tIns="91425">
+          <a:bodyPr wrap="square" lIns="91424" tIns="91424" rIns="91424" bIns="91424" anchor="t" anchorCtr="0">
             <a:noAutofit/>
           </a:bodyPr>
           <a:lstStyle/>
           <a:p>
-            <a:pPr indent="0" lvl="0" marL="0" rtl="0" algn="l">
-              <a:spcBef>
-                <a:spcPts val="0"/>
-              </a:spcBef>
-              <a:spcAft>
-                <a:spcPts val="0"/>
-              </a:spcAft>
-              <a:buNone/>
+            <a:pPr marL="0" lvl="0" indent="0" algn="l" rtl="0">
+              <a:spcBef>
+                <a:spcPts val="0"/>
+              </a:spcBef>
+              <a:spcAft>
+                <a:spcPts val="0"/>
+              </a:spcAft>
+              <a:buNone/>
+              <a:defRPr/>
             </a:pPr>
             <a:r>
+              <a:rPr lang="ko-KR" altLang="en-US"/>
               <a:t/>
             </a:r>
-            <a:endParaRPr/>
+            <a:endParaRPr lang="ko-KR" altLang="en-US"/>
           </a:p>
         </p:txBody>
       </p:sp>
@@ -1620,11 +1672,11 @@
 </file>
 
 <file path=ppt/notesSlides/notesSlide18.xml><?xml version="1.0" encoding="utf-8"?>
-<p:notes xmlns:a="http://schemas.openxmlformats.org/drawingml/2006/main" xmlns:r="http://schemas.openxmlformats.org/officeDocument/2006/relationships" xmlns:mc="http://schemas.openxmlformats.org/markup-compatibility/2006" xmlns:mv="urn:schemas-microsoft-com:mac:vml" xmlns:p="http://schemas.openxmlformats.org/presentationml/2006/main" xmlns:c="http://schemas.openxmlformats.org/drawingml/2006/chart" xmlns:dgm="http://schemas.openxmlformats.org/drawingml/2006/diagram" xmlns:o="urn:schemas-microsoft-com:office:office" xmlns:v="urn:schemas-microsoft-com:vml" xmlns:pvml="urn:schemas-microsoft-com:office:powerpoint" xmlns:com="http://schemas.openxmlformats.org/drawingml/2006/compatibility" xmlns:p14="http://schemas.microsoft.com/office/powerpoint/2010/main" xmlns:p15="http://schemas.microsoft.com/office/powerpoint/2012/main" xmlns:ahyp="http://schemas.microsoft.com/office/drawing/2018/hyperlinkcolor" showMasterPhAnim="0" showMasterSp="0">
+<p:notes xmlns:r="http://schemas.openxmlformats.org/officeDocument/2006/relationships" xmlns:c="http://schemas.openxmlformats.org/drawingml/2006/chart" xmlns:a="http://schemas.openxmlformats.org/drawingml/2006/main" xmlns:dgm="http://schemas.openxmlformats.org/drawingml/2006/diagram" xmlns:dsp="http://schemas.microsoft.com/office/drawing/2008/diagram" xmlns:p="http://schemas.openxmlformats.org/presentationml/2006/main" showMasterSp="0" showMasterPhAnim="0">
   <p:cSld>
     <p:spTree>
       <p:nvGrpSpPr>
-        <p:cNvPr id="222" name="Shape 222"/>
+        <p:cNvPr id="1" name=""/>
         <p:cNvGrpSpPr/>
         <p:nvPr/>
       </p:nvGrpSpPr>
@@ -1639,9 +1691,11 @@
       <p:sp>
         <p:nvSpPr>
           <p:cNvPr id="223" name="Google Shape;223;gcb9a0b074_1_213:notes"/>
-          <p:cNvSpPr/>
+          <p:cNvSpPr>
+            <a:spLocks noGrp="1" noRot="1" noChangeAspect="1" noTextEdit="1"/>
+          </p:cNvSpPr>
           <p:nvPr>
-            <p:ph idx="2" type="sldImg"/>
+            <p:ph type="sldImg" idx="2"/>
           </p:nvPr>
         </p:nvSpPr>
         <p:spPr>
@@ -1650,9 +1704,11 @@
             <a:ext cx="6096000" cy="3429000"/>
           </a:xfrm>
           <a:custGeom>
-            <a:rect b="b" l="l" r="r" t="t"/>
+            <a:avLst/>
+            <a:gdLst/>
+            <a:rect l="l" t="t" r="r" b="b"/>
             <a:pathLst>
-              <a:path extrusionOk="0" h="120000" w="120000">
+              <a:path w="120000" h="120000" extrusionOk="0">
                 <a:moveTo>
                   <a:pt x="0" y="0"/>
                 </a:moveTo>
@@ -1674,9 +1730,11 @@
       <p:sp>
         <p:nvSpPr>
           <p:cNvPr id="224" name="Google Shape;224;gcb9a0b074_1_213:notes"/>
-          <p:cNvSpPr txBox="1"/>
+          <p:cNvSpPr txBox="1">
+            <a:spLocks noGrp="1"/>
+          </p:cNvSpPr>
           <p:nvPr>
-            <p:ph idx="1" type="body"/>
+            <p:ph type="body" idx="1"/>
           </p:nvPr>
         </p:nvSpPr>
         <p:spPr>
@@ -1689,24 +1747,26 @@
           </a:prstGeom>
         </p:spPr>
         <p:txBody>
-          <a:bodyPr anchorCtr="0" anchor="t" bIns="91425" lIns="91425" spcFirstLastPara="1" rIns="91425" wrap="square" tIns="91425">
+          <a:bodyPr wrap="square" lIns="91424" tIns="91424" rIns="91424" bIns="91424" anchor="t" anchorCtr="0">
             <a:noAutofit/>
           </a:bodyPr>
           <a:lstStyle/>
           <a:p>
-            <a:pPr indent="0" lvl="0" marL="0" rtl="0" algn="l">
-              <a:spcBef>
-                <a:spcPts val="0"/>
-              </a:spcBef>
-              <a:spcAft>
-                <a:spcPts val="0"/>
-              </a:spcAft>
-              <a:buNone/>
+            <a:pPr marL="0" lvl="0" indent="0" algn="l" rtl="0">
+              <a:spcBef>
+                <a:spcPts val="0"/>
+              </a:spcBef>
+              <a:spcAft>
+                <a:spcPts val="0"/>
+              </a:spcAft>
+              <a:buNone/>
+              <a:defRPr/>
             </a:pPr>
             <a:r>
+              <a:rPr lang="ko-KR" altLang="en-US"/>
               <a:t/>
             </a:r>
-            <a:endParaRPr/>
+            <a:endParaRPr lang="ko-KR" altLang="en-US"/>
           </a:p>
         </p:txBody>
       </p:sp>
@@ -1719,11 +1779,11 @@
 </file>
 
 <file path=ppt/notesSlides/notesSlide2.xml><?xml version="1.0" encoding="utf-8"?>
-<p:notes xmlns:a="http://schemas.openxmlformats.org/drawingml/2006/main" xmlns:r="http://schemas.openxmlformats.org/officeDocument/2006/relationships" xmlns:mc="http://schemas.openxmlformats.org/markup-compatibility/2006" xmlns:mv="urn:schemas-microsoft-com:mac:vml" xmlns:p="http://schemas.openxmlformats.org/presentationml/2006/main" xmlns:c="http://schemas.openxmlformats.org/drawingml/2006/chart" xmlns:dgm="http://schemas.openxmlformats.org/drawingml/2006/diagram" xmlns:o="urn:schemas-microsoft-com:office:office" xmlns:v="urn:schemas-microsoft-com:vml" xmlns:pvml="urn:schemas-microsoft-com:office:powerpoint" xmlns:com="http://schemas.openxmlformats.org/drawingml/2006/compatibility" xmlns:p14="http://schemas.microsoft.com/office/powerpoint/2010/main" xmlns:p15="http://schemas.microsoft.com/office/powerpoint/2012/main" xmlns:ahyp="http://schemas.microsoft.com/office/drawing/2018/hyperlinkcolor" showMasterPhAnim="0" showMasterSp="0">
+<p:notes xmlns:r="http://schemas.openxmlformats.org/officeDocument/2006/relationships" xmlns:c="http://schemas.openxmlformats.org/drawingml/2006/chart" xmlns:a="http://schemas.openxmlformats.org/drawingml/2006/main" xmlns:dgm="http://schemas.openxmlformats.org/drawingml/2006/diagram" xmlns:dsp="http://schemas.microsoft.com/office/drawing/2008/diagram" xmlns:p="http://schemas.openxmlformats.org/presentationml/2006/main" showMasterSp="0" showMasterPhAnim="0">
   <p:cSld>
     <p:spTree>
       <p:nvGrpSpPr>
-        <p:cNvPr id="76" name="Shape 76"/>
+        <p:cNvPr id="1" name=""/>
         <p:cNvGrpSpPr/>
         <p:nvPr/>
       </p:nvGrpSpPr>
@@ -1738,9 +1798,11 @@
       <p:sp>
         <p:nvSpPr>
           <p:cNvPr id="77" name="Google Shape;77;g723630543_3_0:notes"/>
-          <p:cNvSpPr/>
+          <p:cNvSpPr>
+            <a:spLocks noGrp="1" noRot="1" noChangeAspect="1" noTextEdit="1"/>
+          </p:cNvSpPr>
           <p:nvPr>
-            <p:ph idx="2" type="sldImg"/>
+            <p:ph type="sldImg" idx="2"/>
           </p:nvPr>
         </p:nvSpPr>
         <p:spPr>
@@ -1749,9 +1811,11 @@
             <a:ext cx="6096000" cy="3429000"/>
           </a:xfrm>
           <a:custGeom>
-            <a:rect b="b" l="l" r="r" t="t"/>
+            <a:avLst/>
+            <a:gdLst/>
+            <a:rect l="l" t="t" r="r" b="b"/>
             <a:pathLst>
-              <a:path extrusionOk="0" h="120000" w="120000">
+              <a:path w="120000" h="120000" extrusionOk="0">
                 <a:moveTo>
                   <a:pt x="0" y="0"/>
                 </a:moveTo>
@@ -1773,9 +1837,11 @@
       <p:sp>
         <p:nvSpPr>
           <p:cNvPr id="78" name="Google Shape;78;g723630543_3_0:notes"/>
-          <p:cNvSpPr txBox="1"/>
+          <p:cNvSpPr txBox="1">
+            <a:spLocks noGrp="1"/>
+          </p:cNvSpPr>
           <p:nvPr>
-            <p:ph idx="1" type="body"/>
+            <p:ph type="body" idx="1"/>
           </p:nvPr>
         </p:nvSpPr>
         <p:spPr>
@@ -1788,24 +1854,26 @@
           </a:prstGeom>
         </p:spPr>
         <p:txBody>
-          <a:bodyPr anchorCtr="0" anchor="t" bIns="91425" lIns="91425" spcFirstLastPara="1" rIns="91425" wrap="square" tIns="91425">
+          <a:bodyPr wrap="square" lIns="91424" tIns="91424" rIns="91424" bIns="91424" anchor="t" anchorCtr="0">
             <a:noAutofit/>
           </a:bodyPr>
           <a:lstStyle/>
           <a:p>
-            <a:pPr indent="0" lvl="0" marL="0" rtl="0" algn="l">
-              <a:spcBef>
-                <a:spcPts val="0"/>
-              </a:spcBef>
-              <a:spcAft>
-                <a:spcPts val="0"/>
-              </a:spcAft>
-              <a:buNone/>
+            <a:pPr marL="0" lvl="0" indent="0" algn="l" rtl="0">
+              <a:spcBef>
+                <a:spcPts val="0"/>
+              </a:spcBef>
+              <a:spcAft>
+                <a:spcPts val="0"/>
+              </a:spcAft>
+              <a:buNone/>
+              <a:defRPr/>
             </a:pPr>
             <a:r>
+              <a:rPr lang="ko-KR" altLang="en-US"/>
               <a:t/>
             </a:r>
-            <a:endParaRPr/>
+            <a:endParaRPr lang="ko-KR" altLang="en-US"/>
           </a:p>
         </p:txBody>
       </p:sp>
@@ -1818,11 +1886,11 @@
 </file>
 
 <file path=ppt/notesSlides/notesSlide3.xml><?xml version="1.0" encoding="utf-8"?>
-<p:notes xmlns:a="http://schemas.openxmlformats.org/drawingml/2006/main" xmlns:r="http://schemas.openxmlformats.org/officeDocument/2006/relationships" xmlns:mc="http://schemas.openxmlformats.org/markup-compatibility/2006" xmlns:mv="urn:schemas-microsoft-com:mac:vml" xmlns:p="http://schemas.openxmlformats.org/presentationml/2006/main" xmlns:c="http://schemas.openxmlformats.org/drawingml/2006/chart" xmlns:dgm="http://schemas.openxmlformats.org/drawingml/2006/diagram" xmlns:o="urn:schemas-microsoft-com:office:office" xmlns:v="urn:schemas-microsoft-com:vml" xmlns:pvml="urn:schemas-microsoft-com:office:powerpoint" xmlns:com="http://schemas.openxmlformats.org/drawingml/2006/compatibility" xmlns:p14="http://schemas.microsoft.com/office/powerpoint/2010/main" xmlns:p15="http://schemas.microsoft.com/office/powerpoint/2012/main" xmlns:ahyp="http://schemas.microsoft.com/office/drawing/2018/hyperlinkcolor" showMasterPhAnim="0" showMasterSp="0">
+<p:notes xmlns:r="http://schemas.openxmlformats.org/officeDocument/2006/relationships" xmlns:c="http://schemas.openxmlformats.org/drawingml/2006/chart" xmlns:a="http://schemas.openxmlformats.org/drawingml/2006/main" xmlns:dgm="http://schemas.openxmlformats.org/drawingml/2006/diagram" xmlns:dsp="http://schemas.microsoft.com/office/drawing/2008/diagram" xmlns:p="http://schemas.openxmlformats.org/presentationml/2006/main" showMasterSp="0" showMasterPhAnim="0">
   <p:cSld>
     <p:spTree>
       <p:nvGrpSpPr>
-        <p:cNvPr id="84" name="Shape 84"/>
+        <p:cNvPr id="1" name=""/>
         <p:cNvGrpSpPr/>
         <p:nvPr/>
       </p:nvGrpSpPr>
@@ -1837,9 +1905,11 @@
       <p:sp>
         <p:nvSpPr>
           <p:cNvPr id="85" name="Google Shape;85;gd251bb473_0_600:notes"/>
-          <p:cNvSpPr/>
+          <p:cNvSpPr>
+            <a:spLocks noGrp="1" noRot="1" noChangeAspect="1" noTextEdit="1"/>
+          </p:cNvSpPr>
           <p:nvPr>
-            <p:ph idx="2" type="sldImg"/>
+            <p:ph type="sldImg" idx="2"/>
           </p:nvPr>
         </p:nvSpPr>
         <p:spPr>
@@ -1848,9 +1918,11 @@
             <a:ext cx="6096000" cy="3429000"/>
           </a:xfrm>
           <a:custGeom>
-            <a:rect b="b" l="l" r="r" t="t"/>
+            <a:avLst/>
+            <a:gdLst/>
+            <a:rect l="l" t="t" r="r" b="b"/>
             <a:pathLst>
-              <a:path extrusionOk="0" h="120000" w="120000">
+              <a:path w="120000" h="120000" extrusionOk="0">
                 <a:moveTo>
                   <a:pt x="0" y="0"/>
                 </a:moveTo>
@@ -1872,9 +1944,11 @@
       <p:sp>
         <p:nvSpPr>
           <p:cNvPr id="86" name="Google Shape;86;gd251bb473_0_600:notes"/>
-          <p:cNvSpPr txBox="1"/>
+          <p:cNvSpPr txBox="1">
+            <a:spLocks noGrp="1"/>
+          </p:cNvSpPr>
           <p:nvPr>
-            <p:ph idx="1" type="body"/>
+            <p:ph type="body" idx="1"/>
           </p:nvPr>
         </p:nvSpPr>
         <p:spPr>
@@ -1887,24 +1961,26 @@
           </a:prstGeom>
         </p:spPr>
         <p:txBody>
-          <a:bodyPr anchorCtr="0" anchor="t" bIns="91425" lIns="91425" spcFirstLastPara="1" rIns="91425" wrap="square" tIns="91425">
+          <a:bodyPr wrap="square" lIns="91424" tIns="91424" rIns="91424" bIns="91424" anchor="t" anchorCtr="0">
             <a:noAutofit/>
           </a:bodyPr>
           <a:lstStyle/>
           <a:p>
-            <a:pPr indent="0" lvl="0" marL="0" rtl="0" algn="l">
-              <a:spcBef>
-                <a:spcPts val="0"/>
-              </a:spcBef>
-              <a:spcAft>
-                <a:spcPts val="0"/>
-              </a:spcAft>
-              <a:buNone/>
+            <a:pPr marL="0" lvl="0" indent="0" algn="l" rtl="0">
+              <a:spcBef>
+                <a:spcPts val="0"/>
+              </a:spcBef>
+              <a:spcAft>
+                <a:spcPts val="0"/>
+              </a:spcAft>
+              <a:buNone/>
+              <a:defRPr/>
             </a:pPr>
             <a:r>
+              <a:rPr lang="ko-KR" altLang="en-US"/>
               <a:t/>
             </a:r>
-            <a:endParaRPr/>
+            <a:endParaRPr lang="ko-KR" altLang="en-US"/>
           </a:p>
         </p:txBody>
       </p:sp>
@@ -1917,11 +1993,11 @@
 </file>
 
 <file path=ppt/notesSlides/notesSlide4.xml><?xml version="1.0" encoding="utf-8"?>
-<p:notes xmlns:a="http://schemas.openxmlformats.org/drawingml/2006/main" xmlns:r="http://schemas.openxmlformats.org/officeDocument/2006/relationships" xmlns:mc="http://schemas.openxmlformats.org/markup-compatibility/2006" xmlns:mv="urn:schemas-microsoft-com:mac:vml" xmlns:p="http://schemas.openxmlformats.org/presentationml/2006/main" xmlns:c="http://schemas.openxmlformats.org/drawingml/2006/chart" xmlns:dgm="http://schemas.openxmlformats.org/drawingml/2006/diagram" xmlns:o="urn:schemas-microsoft-com:office:office" xmlns:v="urn:schemas-microsoft-com:vml" xmlns:pvml="urn:schemas-microsoft-com:office:powerpoint" xmlns:com="http://schemas.openxmlformats.org/drawingml/2006/compatibility" xmlns:p14="http://schemas.microsoft.com/office/powerpoint/2010/main" xmlns:p15="http://schemas.microsoft.com/office/powerpoint/2012/main" xmlns:ahyp="http://schemas.microsoft.com/office/drawing/2018/hyperlinkcolor" showMasterPhAnim="0" showMasterSp="0">
+<p:notes xmlns:r="http://schemas.openxmlformats.org/officeDocument/2006/relationships" xmlns:c="http://schemas.openxmlformats.org/drawingml/2006/chart" xmlns:a="http://schemas.openxmlformats.org/drawingml/2006/main" xmlns:dgm="http://schemas.openxmlformats.org/drawingml/2006/diagram" xmlns:dsp="http://schemas.microsoft.com/office/drawing/2008/diagram" xmlns:p="http://schemas.openxmlformats.org/presentationml/2006/main" showMasterSp="0" showMasterPhAnim="0">
   <p:cSld>
     <p:spTree>
       <p:nvGrpSpPr>
-        <p:cNvPr id="90" name="Shape 90"/>
+        <p:cNvPr id="1" name=""/>
         <p:cNvGrpSpPr/>
         <p:nvPr/>
       </p:nvGrpSpPr>
@@ -1936,9 +2012,11 @@
       <p:sp>
         <p:nvSpPr>
           <p:cNvPr id="91" name="Google Shape;91;gd251bb473_0_681:notes"/>
-          <p:cNvSpPr/>
+          <p:cNvSpPr>
+            <a:spLocks noGrp="1" noRot="1" noChangeAspect="1" noTextEdit="1"/>
+          </p:cNvSpPr>
           <p:nvPr>
-            <p:ph idx="2" type="sldImg"/>
+            <p:ph type="sldImg" idx="2"/>
           </p:nvPr>
         </p:nvSpPr>
         <p:spPr>
@@ -1947,9 +2025,11 @@
             <a:ext cx="6096000" cy="3429000"/>
           </a:xfrm>
           <a:custGeom>
-            <a:rect b="b" l="l" r="r" t="t"/>
+            <a:avLst/>
+            <a:gdLst/>
+            <a:rect l="l" t="t" r="r" b="b"/>
             <a:pathLst>
-              <a:path extrusionOk="0" h="120000" w="120000">
+              <a:path w="120000" h="120000" extrusionOk="0">
                 <a:moveTo>
                   <a:pt x="0" y="0"/>
                 </a:moveTo>
@@ -1971,9 +2051,11 @@
       <p:sp>
         <p:nvSpPr>
           <p:cNvPr id="92" name="Google Shape;92;gd251bb473_0_681:notes"/>
-          <p:cNvSpPr txBox="1"/>
+          <p:cNvSpPr txBox="1">
+            <a:spLocks noGrp="1"/>
+          </p:cNvSpPr>
           <p:nvPr>
-            <p:ph idx="1" type="body"/>
+            <p:ph type="body" idx="1"/>
           </p:nvPr>
         </p:nvSpPr>
         <p:spPr>
@@ -1986,24 +2068,26 @@
           </a:prstGeom>
         </p:spPr>
         <p:txBody>
-          <a:bodyPr anchorCtr="0" anchor="t" bIns="91425" lIns="91425" spcFirstLastPara="1" rIns="91425" wrap="square" tIns="91425">
+          <a:bodyPr wrap="square" lIns="91424" tIns="91424" rIns="91424" bIns="91424" anchor="t" anchorCtr="0">
             <a:noAutofit/>
           </a:bodyPr>
           <a:lstStyle/>
           <a:p>
-            <a:pPr indent="0" lvl="0" marL="0" rtl="0" algn="l">
-              <a:spcBef>
-                <a:spcPts val="0"/>
-              </a:spcBef>
-              <a:spcAft>
-                <a:spcPts val="0"/>
-              </a:spcAft>
-              <a:buNone/>
+            <a:pPr marL="0" lvl="0" indent="0" algn="l" rtl="0">
+              <a:spcBef>
+                <a:spcPts val="0"/>
+              </a:spcBef>
+              <a:spcAft>
+                <a:spcPts val="0"/>
+              </a:spcAft>
+              <a:buNone/>
+              <a:defRPr/>
             </a:pPr>
             <a:r>
+              <a:rPr lang="ko-KR" altLang="en-US"/>
               <a:t/>
             </a:r>
-            <a:endParaRPr/>
+            <a:endParaRPr lang="ko-KR" altLang="en-US"/>
           </a:p>
         </p:txBody>
       </p:sp>
@@ -2016,11 +2100,11 @@
 </file>
 
 <file path=ppt/notesSlides/notesSlide5.xml><?xml version="1.0" encoding="utf-8"?>
-<p:notes xmlns:a="http://schemas.openxmlformats.org/drawingml/2006/main" xmlns:r="http://schemas.openxmlformats.org/officeDocument/2006/relationships" xmlns:mc="http://schemas.openxmlformats.org/markup-compatibility/2006" xmlns:mv="urn:schemas-microsoft-com:mac:vml" xmlns:p="http://schemas.openxmlformats.org/presentationml/2006/main" xmlns:c="http://schemas.openxmlformats.org/drawingml/2006/chart" xmlns:dgm="http://schemas.openxmlformats.org/drawingml/2006/diagram" xmlns:o="urn:schemas-microsoft-com:office:office" xmlns:v="urn:schemas-microsoft-com:vml" xmlns:pvml="urn:schemas-microsoft-com:office:powerpoint" xmlns:com="http://schemas.openxmlformats.org/drawingml/2006/compatibility" xmlns:p14="http://schemas.microsoft.com/office/powerpoint/2010/main" xmlns:p15="http://schemas.microsoft.com/office/powerpoint/2012/main" xmlns:ahyp="http://schemas.microsoft.com/office/drawing/2018/hyperlinkcolor" showMasterPhAnim="0" showMasterSp="0">
+<p:notes xmlns:r="http://schemas.openxmlformats.org/officeDocument/2006/relationships" xmlns:c="http://schemas.openxmlformats.org/drawingml/2006/chart" xmlns:a="http://schemas.openxmlformats.org/drawingml/2006/main" xmlns:dgm="http://schemas.openxmlformats.org/drawingml/2006/diagram" xmlns:dsp="http://schemas.microsoft.com/office/drawing/2008/diagram" xmlns:p="http://schemas.openxmlformats.org/presentationml/2006/main" showMasterSp="0" showMasterPhAnim="0">
   <p:cSld>
     <p:spTree>
       <p:nvGrpSpPr>
-        <p:cNvPr id="95" name="Shape 95"/>
+        <p:cNvPr id="1" name=""/>
         <p:cNvGrpSpPr/>
         <p:nvPr/>
       </p:nvGrpSpPr>
@@ -2035,9 +2119,11 @@
       <p:sp>
         <p:nvSpPr>
           <p:cNvPr id="96" name="Google Shape;96;ge965474a9_3_50:notes"/>
-          <p:cNvSpPr/>
+          <p:cNvSpPr>
+            <a:spLocks noGrp="1" noRot="1" noChangeAspect="1" noTextEdit="1"/>
+          </p:cNvSpPr>
           <p:nvPr>
-            <p:ph idx="2" type="sldImg"/>
+            <p:ph type="sldImg" idx="2"/>
           </p:nvPr>
         </p:nvSpPr>
         <p:spPr>
@@ -2046,9 +2132,11 @@
             <a:ext cx="6096000" cy="3429000"/>
           </a:xfrm>
           <a:custGeom>
-            <a:rect b="b" l="l" r="r" t="t"/>
+            <a:avLst/>
+            <a:gdLst/>
+            <a:rect l="l" t="t" r="r" b="b"/>
             <a:pathLst>
-              <a:path extrusionOk="0" h="120000" w="120000">
+              <a:path w="120000" h="120000" extrusionOk="0">
                 <a:moveTo>
                   <a:pt x="0" y="0"/>
                 </a:moveTo>
@@ -2070,9 +2158,11 @@
       <p:sp>
         <p:nvSpPr>
           <p:cNvPr id="97" name="Google Shape;97;ge965474a9_3_50:notes"/>
-          <p:cNvSpPr txBox="1"/>
+          <p:cNvSpPr txBox="1">
+            <a:spLocks noGrp="1"/>
+          </p:cNvSpPr>
           <p:nvPr>
-            <p:ph idx="1" type="body"/>
+            <p:ph type="body" idx="1"/>
           </p:nvPr>
         </p:nvSpPr>
         <p:spPr>
@@ -2085,24 +2175,26 @@
           </a:prstGeom>
         </p:spPr>
         <p:txBody>
-          <a:bodyPr anchorCtr="0" anchor="t" bIns="91425" lIns="91425" spcFirstLastPara="1" rIns="91425" wrap="square" tIns="91425">
+          <a:bodyPr wrap="square" lIns="91424" tIns="91424" rIns="91424" bIns="91424" anchor="t" anchorCtr="0">
             <a:noAutofit/>
           </a:bodyPr>
           <a:lstStyle/>
           <a:p>
-            <a:pPr indent="0" lvl="0" marL="0" rtl="0" algn="l">
-              <a:spcBef>
-                <a:spcPts val="0"/>
-              </a:spcBef>
-              <a:spcAft>
-                <a:spcPts val="0"/>
-              </a:spcAft>
-              <a:buNone/>
+            <a:pPr marL="0" lvl="0" indent="0" algn="l" rtl="0">
+              <a:spcBef>
+                <a:spcPts val="0"/>
+              </a:spcBef>
+              <a:spcAft>
+                <a:spcPts val="0"/>
+              </a:spcAft>
+              <a:buNone/>
+              <a:defRPr/>
             </a:pPr>
             <a:r>
+              <a:rPr lang="ko-KR" altLang="en-US"/>
               <a:t/>
             </a:r>
-            <a:endParaRPr/>
+            <a:endParaRPr lang="ko-KR" altLang="en-US"/>
           </a:p>
         </p:txBody>
       </p:sp>
@@ -2115,11 +2207,11 @@
 </file>
 
 <file path=ppt/notesSlides/notesSlide6.xml><?xml version="1.0" encoding="utf-8"?>
-<p:notes xmlns:a="http://schemas.openxmlformats.org/drawingml/2006/main" xmlns:r="http://schemas.openxmlformats.org/officeDocument/2006/relationships" xmlns:mc="http://schemas.openxmlformats.org/markup-compatibility/2006" xmlns:mv="urn:schemas-microsoft-com:mac:vml" xmlns:p="http://schemas.openxmlformats.org/presentationml/2006/main" xmlns:c="http://schemas.openxmlformats.org/drawingml/2006/chart" xmlns:dgm="http://schemas.openxmlformats.org/drawingml/2006/diagram" xmlns:o="urn:schemas-microsoft-com:office:office" xmlns:v="urn:schemas-microsoft-com:vml" xmlns:pvml="urn:schemas-microsoft-com:office:powerpoint" xmlns:com="http://schemas.openxmlformats.org/drawingml/2006/compatibility" xmlns:p14="http://schemas.microsoft.com/office/powerpoint/2010/main" xmlns:p15="http://schemas.microsoft.com/office/powerpoint/2012/main" xmlns:ahyp="http://schemas.microsoft.com/office/drawing/2018/hyperlinkcolor" showMasterPhAnim="0" showMasterSp="0">
+<p:notes xmlns:r="http://schemas.openxmlformats.org/officeDocument/2006/relationships" xmlns:c="http://schemas.openxmlformats.org/drawingml/2006/chart" xmlns:a="http://schemas.openxmlformats.org/drawingml/2006/main" xmlns:dgm="http://schemas.openxmlformats.org/drawingml/2006/diagram" xmlns:dsp="http://schemas.microsoft.com/office/drawing/2008/diagram" xmlns:p="http://schemas.openxmlformats.org/presentationml/2006/main" showMasterSp="0" showMasterPhAnim="0">
   <p:cSld>
     <p:spTree>
       <p:nvGrpSpPr>
-        <p:cNvPr id="106" name="Shape 106"/>
+        <p:cNvPr id="1" name=""/>
         <p:cNvGrpSpPr/>
         <p:nvPr/>
       </p:nvGrpSpPr>
@@ -2134,9 +2226,11 @@
       <p:sp>
         <p:nvSpPr>
           <p:cNvPr id="107" name="Google Shape;107;gcb9a0b074_1_122:notes"/>
-          <p:cNvSpPr/>
+          <p:cNvSpPr>
+            <a:spLocks noGrp="1" noRot="1" noChangeAspect="1" noTextEdit="1"/>
+          </p:cNvSpPr>
           <p:nvPr>
-            <p:ph idx="2" type="sldImg"/>
+            <p:ph type="sldImg" idx="2"/>
           </p:nvPr>
         </p:nvSpPr>
         <p:spPr>
@@ -2145,9 +2239,11 @@
             <a:ext cx="6096300" cy="3429000"/>
           </a:xfrm>
           <a:custGeom>
-            <a:rect b="b" l="l" r="r" t="t"/>
+            <a:avLst/>
+            <a:gdLst/>
+            <a:rect l="l" t="t" r="r" b="b"/>
             <a:pathLst>
-              <a:path extrusionOk="0" h="120000" w="120000">
+              <a:path w="120000" h="120000" extrusionOk="0">
                 <a:moveTo>
                   <a:pt x="0" y="0"/>
                 </a:moveTo>
@@ -2169,9 +2265,11 @@
       <p:sp>
         <p:nvSpPr>
           <p:cNvPr id="108" name="Google Shape;108;gcb9a0b074_1_122:notes"/>
-          <p:cNvSpPr txBox="1"/>
+          <p:cNvSpPr txBox="1">
+            <a:spLocks noGrp="1"/>
+          </p:cNvSpPr>
           <p:nvPr>
-            <p:ph idx="1" type="body"/>
+            <p:ph type="body" idx="1"/>
           </p:nvPr>
         </p:nvSpPr>
         <p:spPr>
@@ -2184,24 +2282,26 @@
           </a:prstGeom>
         </p:spPr>
         <p:txBody>
-          <a:bodyPr anchorCtr="0" anchor="t" bIns="91425" lIns="91425" spcFirstLastPara="1" rIns="91425" wrap="square" tIns="91425">
+          <a:bodyPr wrap="square" lIns="91424" tIns="91424" rIns="91424" bIns="91424" anchor="t" anchorCtr="0">
             <a:noAutofit/>
           </a:bodyPr>
           <a:lstStyle/>
           <a:p>
-            <a:pPr indent="0" lvl="0" marL="0" rtl="0" algn="l">
-              <a:spcBef>
-                <a:spcPts val="0"/>
-              </a:spcBef>
-              <a:spcAft>
-                <a:spcPts val="0"/>
-              </a:spcAft>
-              <a:buNone/>
+            <a:pPr marL="0" lvl="0" indent="0" algn="l" rtl="0">
+              <a:spcBef>
+                <a:spcPts val="0"/>
+              </a:spcBef>
+              <a:spcAft>
+                <a:spcPts val="0"/>
+              </a:spcAft>
+              <a:buNone/>
+              <a:defRPr/>
             </a:pPr>
             <a:r>
+              <a:rPr lang="ko-KR" altLang="en-US"/>
               <a:t/>
             </a:r>
-            <a:endParaRPr/>
+            <a:endParaRPr lang="ko-KR" altLang="en-US"/>
           </a:p>
         </p:txBody>
       </p:sp>
@@ -2214,11 +2314,11 @@
 </file>
 
 <file path=ppt/notesSlides/notesSlide7.xml><?xml version="1.0" encoding="utf-8"?>
-<p:notes xmlns:a="http://schemas.openxmlformats.org/drawingml/2006/main" xmlns:r="http://schemas.openxmlformats.org/officeDocument/2006/relationships" xmlns:mc="http://schemas.openxmlformats.org/markup-compatibility/2006" xmlns:mv="urn:schemas-microsoft-com:mac:vml" xmlns:p="http://schemas.openxmlformats.org/presentationml/2006/main" xmlns:c="http://schemas.openxmlformats.org/drawingml/2006/chart" xmlns:dgm="http://schemas.openxmlformats.org/drawingml/2006/diagram" xmlns:o="urn:schemas-microsoft-com:office:office" xmlns:v="urn:schemas-microsoft-com:vml" xmlns:pvml="urn:schemas-microsoft-com:office:powerpoint" xmlns:com="http://schemas.openxmlformats.org/drawingml/2006/compatibility" xmlns:p14="http://schemas.microsoft.com/office/powerpoint/2010/main" xmlns:p15="http://schemas.microsoft.com/office/powerpoint/2012/main" xmlns:ahyp="http://schemas.microsoft.com/office/drawing/2018/hyperlinkcolor" showMasterPhAnim="0" showMasterSp="0">
+<p:notes xmlns:r="http://schemas.openxmlformats.org/officeDocument/2006/relationships" xmlns:c="http://schemas.openxmlformats.org/drawingml/2006/chart" xmlns:a="http://schemas.openxmlformats.org/drawingml/2006/main" xmlns:dgm="http://schemas.openxmlformats.org/drawingml/2006/diagram" xmlns:dsp="http://schemas.microsoft.com/office/drawing/2008/diagram" xmlns:p="http://schemas.openxmlformats.org/presentationml/2006/main" showMasterSp="0" showMasterPhAnim="0">
   <p:cSld>
     <p:spTree>
       <p:nvGrpSpPr>
-        <p:cNvPr id="114" name="Shape 114"/>
+        <p:cNvPr id="1" name=""/>
         <p:cNvGrpSpPr/>
         <p:nvPr/>
       </p:nvGrpSpPr>
@@ -2233,9 +2333,11 @@
       <p:sp>
         <p:nvSpPr>
           <p:cNvPr id="115" name="Google Shape;115;g9eebec0fac_0_8:notes"/>
-          <p:cNvSpPr/>
+          <p:cNvSpPr>
+            <a:spLocks noGrp="1" noRot="1" noChangeAspect="1" noTextEdit="1"/>
+          </p:cNvSpPr>
           <p:nvPr>
-            <p:ph idx="2" type="sldImg"/>
+            <p:ph type="sldImg" idx="2"/>
           </p:nvPr>
         </p:nvSpPr>
         <p:spPr>
@@ -2244,9 +2346,11 @@
             <a:ext cx="6096300" cy="3429000"/>
           </a:xfrm>
           <a:custGeom>
-            <a:rect b="b" l="l" r="r" t="t"/>
+            <a:avLst/>
+            <a:gdLst/>
+            <a:rect l="l" t="t" r="r" b="b"/>
             <a:pathLst>
-              <a:path extrusionOk="0" h="120000" w="120000">
+              <a:path w="120000" h="120000" extrusionOk="0">
                 <a:moveTo>
                   <a:pt x="0" y="0"/>
                 </a:moveTo>
@@ -2268,9 +2372,11 @@
       <p:sp>
         <p:nvSpPr>
           <p:cNvPr id="116" name="Google Shape;116;g9eebec0fac_0_8:notes"/>
-          <p:cNvSpPr txBox="1"/>
+          <p:cNvSpPr txBox="1">
+            <a:spLocks noGrp="1"/>
+          </p:cNvSpPr>
           <p:nvPr>
-            <p:ph idx="1" type="body"/>
+            <p:ph type="body" idx="1"/>
           </p:nvPr>
         </p:nvSpPr>
         <p:spPr>
@@ -2283,24 +2389,26 @@
           </a:prstGeom>
         </p:spPr>
         <p:txBody>
-          <a:bodyPr anchorCtr="0" anchor="t" bIns="91425" lIns="91425" spcFirstLastPara="1" rIns="91425" wrap="square" tIns="91425">
+          <a:bodyPr wrap="square" lIns="91424" tIns="91424" rIns="91424" bIns="91424" anchor="t" anchorCtr="0">
             <a:noAutofit/>
           </a:bodyPr>
           <a:lstStyle/>
           <a:p>
-            <a:pPr indent="0" lvl="0" marL="0" rtl="0" algn="l">
-              <a:spcBef>
-                <a:spcPts val="0"/>
-              </a:spcBef>
-              <a:spcAft>
-                <a:spcPts val="0"/>
-              </a:spcAft>
-              <a:buNone/>
+            <a:pPr marL="0" lvl="0" indent="0" algn="l" rtl="0">
+              <a:spcBef>
+                <a:spcPts val="0"/>
+              </a:spcBef>
+              <a:spcAft>
+                <a:spcPts val="0"/>
+              </a:spcAft>
+              <a:buNone/>
+              <a:defRPr/>
             </a:pPr>
             <a:r>
+              <a:rPr lang="ko-KR" altLang="en-US"/>
               <a:t/>
             </a:r>
-            <a:endParaRPr/>
+            <a:endParaRPr lang="ko-KR" altLang="en-US"/>
           </a:p>
         </p:txBody>
       </p:sp>
@@ -2313,11 +2421,11 @@
 </file>
 
 <file path=ppt/notesSlides/notesSlide8.xml><?xml version="1.0" encoding="utf-8"?>
-<p:notes xmlns:a="http://schemas.openxmlformats.org/drawingml/2006/main" xmlns:r="http://schemas.openxmlformats.org/officeDocument/2006/relationships" xmlns:mc="http://schemas.openxmlformats.org/markup-compatibility/2006" xmlns:mv="urn:schemas-microsoft-com:mac:vml" xmlns:p="http://schemas.openxmlformats.org/presentationml/2006/main" xmlns:c="http://schemas.openxmlformats.org/drawingml/2006/chart" xmlns:dgm="http://schemas.openxmlformats.org/drawingml/2006/diagram" xmlns:o="urn:schemas-microsoft-com:office:office" xmlns:v="urn:schemas-microsoft-com:vml" xmlns:pvml="urn:schemas-microsoft-com:office:powerpoint" xmlns:com="http://schemas.openxmlformats.org/drawingml/2006/compatibility" xmlns:p14="http://schemas.microsoft.com/office/powerpoint/2010/main" xmlns:p15="http://schemas.microsoft.com/office/powerpoint/2012/main" xmlns:ahyp="http://schemas.microsoft.com/office/drawing/2018/hyperlinkcolor" showMasterPhAnim="0" showMasterSp="0">
+<p:notes xmlns:r="http://schemas.openxmlformats.org/officeDocument/2006/relationships" xmlns:c="http://schemas.openxmlformats.org/drawingml/2006/chart" xmlns:a="http://schemas.openxmlformats.org/drawingml/2006/main" xmlns:dgm="http://schemas.openxmlformats.org/drawingml/2006/diagram" xmlns:dsp="http://schemas.microsoft.com/office/drawing/2008/diagram" xmlns:p="http://schemas.openxmlformats.org/presentationml/2006/main" showMasterSp="0" showMasterPhAnim="0">
   <p:cSld>
     <p:spTree>
       <p:nvGrpSpPr>
-        <p:cNvPr id="124" name="Shape 124"/>
+        <p:cNvPr id="1" name=""/>
         <p:cNvGrpSpPr/>
         <p:nvPr/>
       </p:nvGrpSpPr>
@@ -2332,9 +2440,11 @@
       <p:sp>
         <p:nvSpPr>
           <p:cNvPr id="125" name="Google Shape;125;g9eebec0fac_0_17:notes"/>
-          <p:cNvSpPr/>
+          <p:cNvSpPr>
+            <a:spLocks noGrp="1" noRot="1" noChangeAspect="1" noTextEdit="1"/>
+          </p:cNvSpPr>
           <p:nvPr>
-            <p:ph idx="2" type="sldImg"/>
+            <p:ph type="sldImg" idx="2"/>
           </p:nvPr>
         </p:nvSpPr>
         <p:spPr>
@@ -2343,9 +2453,11 @@
             <a:ext cx="6096300" cy="3429000"/>
           </a:xfrm>
           <a:custGeom>
-            <a:rect b="b" l="l" r="r" t="t"/>
+            <a:avLst/>
+            <a:gdLst/>
+            <a:rect l="l" t="t" r="r" b="b"/>
             <a:pathLst>
-              <a:path extrusionOk="0" h="120000" w="120000">
+              <a:path w="120000" h="120000" extrusionOk="0">
                 <a:moveTo>
                   <a:pt x="0" y="0"/>
                 </a:moveTo>
@@ -2367,9 +2479,11 @@
       <p:sp>
         <p:nvSpPr>
           <p:cNvPr id="126" name="Google Shape;126;g9eebec0fac_0_17:notes"/>
-          <p:cNvSpPr txBox="1"/>
+          <p:cNvSpPr txBox="1">
+            <a:spLocks noGrp="1"/>
+          </p:cNvSpPr>
           <p:nvPr>
-            <p:ph idx="1" type="body"/>
+            <p:ph type="body" idx="1"/>
           </p:nvPr>
         </p:nvSpPr>
         <p:spPr>
@@ -2382,24 +2496,26 @@
           </a:prstGeom>
         </p:spPr>
         <p:txBody>
-          <a:bodyPr anchorCtr="0" anchor="t" bIns="91425" lIns="91425" spcFirstLastPara="1" rIns="91425" wrap="square" tIns="91425">
+          <a:bodyPr wrap="square" lIns="91424" tIns="91424" rIns="91424" bIns="91424" anchor="t" anchorCtr="0">
             <a:noAutofit/>
           </a:bodyPr>
           <a:lstStyle/>
           <a:p>
-            <a:pPr indent="0" lvl="0" marL="0" rtl="0" algn="l">
-              <a:spcBef>
-                <a:spcPts val="0"/>
-              </a:spcBef>
-              <a:spcAft>
-                <a:spcPts val="0"/>
-              </a:spcAft>
-              <a:buNone/>
+            <a:pPr marL="0" lvl="0" indent="0" algn="l" rtl="0">
+              <a:spcBef>
+                <a:spcPts val="0"/>
+              </a:spcBef>
+              <a:spcAft>
+                <a:spcPts val="0"/>
+              </a:spcAft>
+              <a:buNone/>
+              <a:defRPr/>
             </a:pPr>
             <a:r>
+              <a:rPr lang="ko-KR" altLang="en-US"/>
               <a:t/>
             </a:r>
-            <a:endParaRPr/>
+            <a:endParaRPr lang="ko-KR" altLang="en-US"/>
           </a:p>
         </p:txBody>
       </p:sp>
@@ -2412,11 +2528,11 @@
 </file>
 
 <file path=ppt/notesSlides/notesSlide9.xml><?xml version="1.0" encoding="utf-8"?>
-<p:notes xmlns:a="http://schemas.openxmlformats.org/drawingml/2006/main" xmlns:r="http://schemas.openxmlformats.org/officeDocument/2006/relationships" xmlns:mc="http://schemas.openxmlformats.org/markup-compatibility/2006" xmlns:mv="urn:schemas-microsoft-com:mac:vml" xmlns:p="http://schemas.openxmlformats.org/presentationml/2006/main" xmlns:c="http://schemas.openxmlformats.org/drawingml/2006/chart" xmlns:dgm="http://schemas.openxmlformats.org/drawingml/2006/diagram" xmlns:o="urn:schemas-microsoft-com:office:office" xmlns:v="urn:schemas-microsoft-com:vml" xmlns:pvml="urn:schemas-microsoft-com:office:powerpoint" xmlns:com="http://schemas.openxmlformats.org/drawingml/2006/compatibility" xmlns:p14="http://schemas.microsoft.com/office/powerpoint/2010/main" xmlns:p15="http://schemas.microsoft.com/office/powerpoint/2012/main" xmlns:ahyp="http://schemas.microsoft.com/office/drawing/2018/hyperlinkcolor" showMasterPhAnim="0" showMasterSp="0">
+<p:notes xmlns:r="http://schemas.openxmlformats.org/officeDocument/2006/relationships" xmlns:c="http://schemas.openxmlformats.org/drawingml/2006/chart" xmlns:a="http://schemas.openxmlformats.org/drawingml/2006/main" xmlns:dgm="http://schemas.openxmlformats.org/drawingml/2006/diagram" xmlns:dsp="http://schemas.microsoft.com/office/drawing/2008/diagram" xmlns:p="http://schemas.openxmlformats.org/presentationml/2006/main" showMasterSp="0" showMasterPhAnim="0">
   <p:cSld>
     <p:spTree>
       <p:nvGrpSpPr>
-        <p:cNvPr id="133" name="Shape 133"/>
+        <p:cNvPr id="1" name=""/>
         <p:cNvGrpSpPr/>
         <p:nvPr/>
       </p:nvGrpSpPr>
@@ -2431,9 +2547,11 @@
       <p:sp>
         <p:nvSpPr>
           <p:cNvPr id="134" name="Google Shape;134;gd814cf7d3_0_5:notes"/>
-          <p:cNvSpPr/>
+          <p:cNvSpPr>
+            <a:spLocks noGrp="1" noRot="1" noChangeAspect="1" noTextEdit="1"/>
+          </p:cNvSpPr>
           <p:nvPr>
-            <p:ph idx="2" type="sldImg"/>
+            <p:ph type="sldImg" idx="2"/>
           </p:nvPr>
         </p:nvSpPr>
         <p:spPr>
@@ -2442,9 +2560,11 @@
             <a:ext cx="6096000" cy="3429000"/>
           </a:xfrm>
           <a:custGeom>
-            <a:rect b="b" l="l" r="r" t="t"/>
+            <a:avLst/>
+            <a:gdLst/>
+            <a:rect l="l" t="t" r="r" b="b"/>
             <a:pathLst>
-              <a:path extrusionOk="0" h="120000" w="120000">
+              <a:path w="120000" h="120000" extrusionOk="0">
                 <a:moveTo>
                   <a:pt x="0" y="0"/>
                 </a:moveTo>
@@ -2466,9 +2586,11 @@
       <p:sp>
         <p:nvSpPr>
           <p:cNvPr id="135" name="Google Shape;135;gd814cf7d3_0_5:notes"/>
-          <p:cNvSpPr txBox="1"/>
+          <p:cNvSpPr txBox="1">
+            <a:spLocks noGrp="1"/>
+          </p:cNvSpPr>
           <p:nvPr>
-            <p:ph idx="1" type="body"/>
+            <p:ph type="body" idx="1"/>
           </p:nvPr>
         </p:nvSpPr>
         <p:spPr>
@@ -2481,24 +2603,26 @@
           </a:prstGeom>
         </p:spPr>
         <p:txBody>
-          <a:bodyPr anchorCtr="0" anchor="t" bIns="91425" lIns="91425" spcFirstLastPara="1" rIns="91425" wrap="square" tIns="91425">
+          <a:bodyPr wrap="square" lIns="91424" tIns="91424" rIns="91424" bIns="91424" anchor="t" anchorCtr="0">
             <a:noAutofit/>
           </a:bodyPr>
           <a:lstStyle/>
           <a:p>
-            <a:pPr indent="0" lvl="0" marL="0" rtl="0" algn="l">
-              <a:spcBef>
-                <a:spcPts val="0"/>
-              </a:spcBef>
-              <a:spcAft>
-                <a:spcPts val="0"/>
-              </a:spcAft>
-              <a:buNone/>
+            <a:pPr marL="0" lvl="0" indent="0" algn="l" rtl="0">
+              <a:spcBef>
+                <a:spcPts val="0"/>
+              </a:spcBef>
+              <a:spcAft>
+                <a:spcPts val="0"/>
+              </a:spcAft>
+              <a:buNone/>
+              <a:defRPr/>
             </a:pPr>
             <a:r>
+              <a:rPr lang="ko-KR" altLang="en-US"/>
               <a:t/>
             </a:r>
-            <a:endParaRPr/>
+            <a:endParaRPr lang="ko-KR" altLang="en-US"/>
           </a:p>
         </p:txBody>
       </p:sp>
@@ -8687,10 +8811,10 @@
 </file>
 
 <file path=ppt/slides/slide10.xml><?xml version="1.0" encoding="utf-8"?>
-<p:sld xmlns:a="http://schemas.openxmlformats.org/drawingml/2006/main" xmlns:r="http://schemas.openxmlformats.org/officeDocument/2006/relationships" xmlns:mc="http://schemas.openxmlformats.org/markup-compatibility/2006" xmlns:mv="urn:schemas-microsoft-com:mac:vml" xmlns:p="http://schemas.openxmlformats.org/presentationml/2006/main" xmlns:c="http://schemas.openxmlformats.org/drawingml/2006/chart" xmlns:dgm="http://schemas.openxmlformats.org/drawingml/2006/diagram" xmlns:o="urn:schemas-microsoft-com:office:office" xmlns:v="urn:schemas-microsoft-com:vml" xmlns:pvml="urn:schemas-microsoft-com:office:powerpoint" xmlns:com="http://schemas.openxmlformats.org/drawingml/2006/compatibility" xmlns:p14="http://schemas.microsoft.com/office/powerpoint/2010/main" xmlns:p15="http://schemas.microsoft.com/office/powerpoint/2012/main" xmlns:ahyp="http://schemas.microsoft.com/office/drawing/2018/hyperlinkcolor">
+<p:sld xmlns:r="http://schemas.openxmlformats.org/officeDocument/2006/relationships" xmlns:c="http://schemas.openxmlformats.org/drawingml/2006/chart" xmlns:a="http://schemas.openxmlformats.org/drawingml/2006/main" xmlns:dgm="http://schemas.openxmlformats.org/drawingml/2006/diagram" xmlns:dsp="http://schemas.microsoft.com/office/drawing/2008/diagram" xmlns:p="http://schemas.openxmlformats.org/presentationml/2006/main">
   <p:cSld>
     <p:bg>
-      <p:bgPr>
+      <p:bgPr shadeToTitle="0">
         <a:solidFill>
           <a:schemeClr val="lt1"/>
         </a:solidFill>
@@ -8698,7 +8822,7 @@
     </p:bg>
     <p:spTree>
       <p:nvGrpSpPr>
-        <p:cNvPr id="142" name="Shape 142"/>
+        <p:cNvPr id="1" name=""/>
         <p:cNvGrpSpPr/>
         <p:nvPr/>
       </p:nvGrpSpPr>
@@ -8734,23 +8858,21 @@
           </a:ln>
         </p:spPr>
         <p:txBody>
-          <a:bodyPr anchorCtr="0" anchor="ctr" bIns="91425" lIns="91425" spcFirstLastPara="1" rIns="91425" wrap="square" tIns="91425">
+          <a:bodyPr wrap="square" lIns="91424" tIns="91424" rIns="91424" bIns="91424" anchor="ctr" anchorCtr="0">
             <a:noAutofit/>
           </a:bodyPr>
           <a:lstStyle/>
           <a:p>
-            <a:pPr indent="0" lvl="0" marL="0" rtl="0" algn="l">
-              <a:spcBef>
-                <a:spcPts val="0"/>
-              </a:spcBef>
-              <a:spcAft>
-                <a:spcPts val="0"/>
-              </a:spcAft>
-              <a:buNone/>
+            <a:pPr marL="0" lvl="0" indent="0" algn="l" rtl="0">
+              <a:spcBef>
+                <a:spcPts val="0"/>
+              </a:spcBef>
+              <a:spcAft>
+                <a:spcPts val="0"/>
+              </a:spcAft>
+              <a:buNone/>
+              <a:defRPr/>
             </a:pPr>
-            <a:r>
-              <a:t/>
-            </a:r>
             <a:endParaRPr/>
           </a:p>
         </p:txBody>
@@ -8758,9 +8880,11 @@
       <p:sp>
         <p:nvSpPr>
           <p:cNvPr id="144" name="Google Shape;144;p22"/>
-          <p:cNvSpPr txBox="1"/>
+          <p:cNvSpPr txBox="1">
+            <a:spLocks noGrp="1"/>
+          </p:cNvSpPr>
           <p:nvPr>
-            <p:ph idx="4294967295" type="body"/>
+            <p:ph type="body" idx="4294967295"/>
           </p:nvPr>
         </p:nvSpPr>
         <p:spPr>
@@ -8773,12 +8897,12 @@
           </a:prstGeom>
         </p:spPr>
         <p:txBody>
-          <a:bodyPr anchorCtr="0" anchor="ctr" bIns="91425" lIns="91425" spcFirstLastPara="1" rIns="91425" wrap="square" tIns="91425">
+          <a:bodyPr wrap="square" lIns="91424" tIns="91424" rIns="91424" bIns="91424" anchor="ctr" anchorCtr="0">
             <a:noAutofit/>
           </a:bodyPr>
           <a:lstStyle/>
           <a:p>
-            <a:pPr indent="0" lvl="0" marL="0" rtl="0" algn="l">
+            <a:pPr marL="0" lvl="0" indent="0" algn="l" rtl="0">
               <a:lnSpc>
                 <a:spcPct val="100000"/>
               </a:lnSpc>
@@ -8789,23 +8913,24 @@
                 <a:spcPts val="0"/>
               </a:spcAft>
               <a:buNone/>
+              <a:defRPr/>
             </a:pPr>
             <a:r>
-              <a:rPr b="1" lang="ko" sz="2800">
+              <a:rPr lang="ko" sz="2800" b="1">
                 <a:solidFill>
                   <a:schemeClr val="accent5"/>
                 </a:solidFill>
               </a:rPr>
               <a:t>그러던 최 행보관님은 ToMAS를 발견했습니다</a:t>
             </a:r>
-            <a:endParaRPr b="1" sz="2800">
+            <a:endParaRPr lang="ko" sz="2800" b="1">
               <a:solidFill>
                 <a:schemeClr val="accent5"/>
               </a:solidFill>
             </a:endParaRPr>
           </a:p>
           <a:p>
-            <a:pPr indent="0" lvl="0" marL="0" rtl="0" algn="l">
+            <a:pPr marL="0" lvl="0" indent="0" algn="l" rtl="0">
               <a:lnSpc>
                 <a:spcPct val="100000"/>
               </a:lnSpc>
@@ -8816,6 +8941,7 @@
                 <a:spcPts val="0"/>
               </a:spcAft>
               <a:buNone/>
+              <a:defRPr/>
             </a:pPr>
             <a:r>
               <a:rPr lang="ko">
@@ -8825,14 +8951,14 @@
               </a:rPr>
               <a:t>이제 행보관님은 앱을 사용하여 자신의 전파사항을 명확하게 전달할 수  있고,설문조사를 시행할 수 있습니다.</a:t>
             </a:r>
-            <a:endParaRPr>
+            <a:endParaRPr lang="ko">
               <a:solidFill>
                 <a:schemeClr val="lt1"/>
               </a:solidFill>
             </a:endParaRPr>
           </a:p>
           <a:p>
-            <a:pPr indent="0" lvl="0" marL="0" rtl="0" algn="l">
+            <a:pPr marL="0" lvl="0" indent="0" algn="l" rtl="0">
               <a:lnSpc>
                 <a:spcPct val="100000"/>
               </a:lnSpc>
@@ -8843,6 +8969,7 @@
                 <a:spcPts val="1600"/>
               </a:spcAft>
               <a:buNone/>
+              <a:defRPr/>
             </a:pPr>
             <a:r>
               <a:rPr lang="ko">
@@ -8850,15 +8977,7 @@
                   <a:schemeClr val="lt1"/>
                 </a:solidFill>
               </a:rPr>
-              <a:t>어떤 중대원</a:t>
-            </a:r>
-            <a:r>
-              <a:rPr lang="ko">
-                <a:solidFill>
-                  <a:schemeClr val="lt1"/>
-                </a:solidFill>
-              </a:rPr>
-              <a:t>이 공지사항을 읽지 않았는지 정확히 파악하게 된 행보관님은 공지사항을 읽지 않는 병사들에게 알맞은 경험을 선사할 수 있게 되었습니다.</a:t>
+              <a:t>어떤 중대원이 공지사항을 읽지 않았는지 정확히 파악하게 된 행보관님은 공지사항을 읽지 않는 병사들에게 알맞은 경험을 선사할 수 있게 되었습니다.</a:t>
             </a:r>
             <a:endParaRPr>
               <a:solidFill>
@@ -8870,30 +8989,26 @@
       </p:sp>
       <p:pic>
         <p:nvPicPr>
-          <p:cNvPr id="145" name="Google Shape;145;p22"/>
-          <p:cNvPicPr preferRelativeResize="0"/>
+          <p:cNvPr id="146" name=""/>
+          <p:cNvPicPr>
+            <a:picLocks noChangeAspect="1"/>
+          </p:cNvPicPr>
           <p:nvPr/>
         </p:nvPicPr>
-        <p:blipFill>
-          <a:blip r:embed="rId3">
-            <a:alphaModFix/>
-          </a:blip>
+        <p:blipFill rotWithShape="1">
+          <a:blip r:embed="rId3"/>
           <a:stretch>
             <a:fillRect/>
           </a:stretch>
         </p:blipFill>
         <p:spPr>
           <a:xfrm>
-            <a:off x="5523450" y="1255575"/>
-            <a:ext cx="2634075" cy="2634075"/>
+            <a:off x="5636507" y="898663"/>
+            <a:ext cx="2774757" cy="3346173"/>
           </a:xfrm>
           <a:prstGeom prst="rect">
             <a:avLst/>
           </a:prstGeom>
-          <a:noFill/>
-          <a:ln>
-            <a:noFill/>
-          </a:ln>
         </p:spPr>
       </p:pic>
     </p:spTree>
@@ -8901,6 +9016,14 @@
   <p:clrMapOvr>
     <a:masterClrMapping/>
   </p:clrMapOvr>
+  <mc:AlternateContent xmlns:mc="http://schemas.openxmlformats.org/markup-compatibility/2006">
+    <mc:Choice xmlns:p14="http://schemas.microsoft.com/office/powerpoint/2010/main" Requires="p14">
+      <p:transition xmlns:mc="http://schemas.openxmlformats.org/markup-compatibility/2006" xmlns:p14="http://schemas.microsoft.com/office/powerpoint/2010/main" mc:Ignorable="p14" p14:dur="500"/>
+    </mc:Choice>
+    <mc:Fallback>
+      <p:transition/>
+    </mc:Fallback>
+  </mc:AlternateContent>
 </p:sld>
 </file>
 
@@ -13798,14 +13921,14 @@
 </file>
 
 <file path=ppt/theme/theme1.xml><?xml version="1.0" encoding="utf-8"?>
-<a:theme xmlns:a="http://schemas.openxmlformats.org/drawingml/2006/main" xmlns:r="http://schemas.openxmlformats.org/officeDocument/2006/relationships" name="Swiss">
+<a:theme xmlns:r="http://schemas.openxmlformats.org/officeDocument/2006/relationships" xmlns:c="http://schemas.openxmlformats.org/drawingml/2006/chart" xmlns:dgm="http://schemas.openxmlformats.org/drawingml/2006/diagram" xmlns:dsp="http://schemas.microsoft.com/office/drawing/2008/diagram" xmlns:a="http://schemas.openxmlformats.org/drawingml/2006/main" xmlns:pic="http://schemas.openxmlformats.org/drawingml/2006/picture" xmlns:wp="http://schemas.openxmlformats.org/drawingml/2006/wordprocessingDrawing" xmlns:xdr="http://schemas.openxmlformats.org/drawingml/2006/spreadsheetDrawing" xmlns:lc="http://schemas.openxmlformats.org/drawingml/2006/lockedCanvas" xmlns:p="http://schemas.openxmlformats.org/presentationml/2006/main" name="Swiss">
   <a:themeElements>
     <a:clrScheme name="Swiss">
       <a:dk1>
-        <a:srgbClr val="F46524"/>
+        <a:srgbClr val="f46524"/>
       </a:dk1>
       <a:lt1>
-        <a:srgbClr val="FFFFFF"/>
+        <a:srgbClr val="ffffff"/>
       </a:lt1>
       <a:dk2>
         <a:srgbClr val="000000"/>
@@ -13814,28 +13937,28 @@
         <a:srgbClr val="757575"/>
       </a:lt2>
       <a:accent1>
-        <a:srgbClr val="01579B"/>
+        <a:srgbClr val="01579b"/>
       </a:accent1>
       <a:accent2>
-        <a:srgbClr val="27C7BD"/>
+        <a:srgbClr val="27c7bd"/>
       </a:accent2>
       <a:accent3>
-        <a:srgbClr val="0099E8"/>
+        <a:srgbClr val="0099e8"/>
       </a:accent3>
       <a:accent4>
-        <a:srgbClr val="51B9A3"/>
+        <a:srgbClr val="51b9a3"/>
       </a:accent4>
       <a:accent5>
-        <a:srgbClr val="FB8C00"/>
+        <a:srgbClr val="fb8c00"/>
       </a:accent5>
       <a:accent6>
-        <a:srgbClr val="FFAE88"/>
+        <a:srgbClr val="ffae88"/>
       </a:accent6>
       <a:hlink>
-        <a:srgbClr val="0277BD"/>
+        <a:srgbClr val="0277bd"/>
       </a:hlink>
       <a:folHlink>
-        <a:srgbClr val="0277BD"/>
+        <a:srgbClr val="0277bd"/>
       </a:folHlink>
     </a:clrScheme>
     <a:fontScheme name="Office">
@@ -13843,9 +13966,9 @@
         <a:latin typeface="Arial"/>
         <a:ea typeface=""/>
         <a:cs typeface=""/>
-        <a:font script="Jpan" typeface="ＭＳ Ｐゴシック"/>
+        <a:font script="Jpan" typeface="MS PGothic"/>
         <a:font script="Hang" typeface="맑은 고딕"/>
-        <a:font script="Hans" typeface="宋体"/>
+        <a:font script="Hans" typeface="SimSun"/>
         <a:font script="Hant" typeface="新細明體"/>
         <a:font script="Arab" typeface="Times New Roman"/>
         <a:font script="Hebr" typeface="Times New Roman"/>
@@ -13878,9 +14001,9 @@
         <a:latin typeface="Arial"/>
         <a:ea typeface=""/>
         <a:cs typeface=""/>
-        <a:font script="Jpan" typeface="ＭＳ Ｐゴシック"/>
+        <a:font script="Jpan" typeface="MS PGothic"/>
         <a:font script="Hang" typeface="맑은 고딕"/>
-        <a:font script="Hans" typeface="宋体"/>
+        <a:font script="Hans" typeface="SimSun"/>
         <a:font script="Hant" typeface="新細明體"/>
         <a:font script="Arab" typeface="Arial"/>
         <a:font script="Hebr" typeface="Arial"/>
@@ -14077,44 +14200,44 @@
 </file>
 
 <file path=ppt/theme/theme2.xml><?xml version="1.0" encoding="utf-8"?>
-<a:theme xmlns:a="http://schemas.openxmlformats.org/drawingml/2006/main" xmlns:r="http://schemas.openxmlformats.org/officeDocument/2006/relationships">
+<a:theme xmlns:r="http://schemas.openxmlformats.org/officeDocument/2006/relationships" xmlns:c="http://schemas.openxmlformats.org/drawingml/2006/chart" xmlns:dgm="http://schemas.openxmlformats.org/drawingml/2006/diagram" xmlns:dsp="http://schemas.microsoft.com/office/drawing/2008/diagram" xmlns:a="http://schemas.openxmlformats.org/drawingml/2006/main" xmlns:pic="http://schemas.openxmlformats.org/drawingml/2006/picture" xmlns:wp="http://schemas.openxmlformats.org/drawingml/2006/wordprocessingDrawing" xmlns:xdr="http://schemas.openxmlformats.org/drawingml/2006/spreadsheetDrawing" xmlns:lc="http://schemas.openxmlformats.org/drawingml/2006/lockedCanvas" xmlns:p="http://schemas.openxmlformats.org/presentationml/2006/main" name="">
   <a:themeElements>
     <a:clrScheme name="Default">
       <a:dk1>
         <a:srgbClr val="000000"/>
       </a:dk1>
       <a:lt1>
-        <a:srgbClr val="FFFFFF"/>
+        <a:srgbClr val="ffffff"/>
       </a:lt1>
       <a:dk2>
         <a:srgbClr val="158158"/>
       </a:dk2>
       <a:lt2>
-        <a:srgbClr val="F3F3F3"/>
+        <a:srgbClr val="f3f3f3"/>
       </a:lt2>
       <a:accent1>
-        <a:srgbClr val="058DC7"/>
+        <a:srgbClr val="058dc7"/>
       </a:accent1>
       <a:accent2>
-        <a:srgbClr val="50B432"/>
+        <a:srgbClr val="50b432"/>
       </a:accent2>
       <a:accent3>
-        <a:srgbClr val="ED561B"/>
+        <a:srgbClr val="ed561b"/>
       </a:accent3>
       <a:accent4>
-        <a:srgbClr val="EDEF00"/>
+        <a:srgbClr val="edef00"/>
       </a:accent4>
       <a:accent5>
-        <a:srgbClr val="24CBE5"/>
+        <a:srgbClr val="24cbe5"/>
       </a:accent5>
       <a:accent6>
-        <a:srgbClr val="64E572"/>
+        <a:srgbClr val="64e572"/>
       </a:accent6>
       <a:hlink>
-        <a:srgbClr val="2200CC"/>
+        <a:srgbClr val="2200cc"/>
       </a:hlink>
       <a:folHlink>
-        <a:srgbClr val="551A8B"/>
+        <a:srgbClr val="551a8b"/>
       </a:folHlink>
     </a:clrScheme>
     <a:fontScheme name="Office">
@@ -14122,9 +14245,9 @@
         <a:latin typeface="Arial"/>
         <a:ea typeface=""/>
         <a:cs typeface=""/>
-        <a:font script="Jpan" typeface="ＭＳ Ｐゴシック"/>
+        <a:font script="Jpan" typeface="MS PGothic"/>
         <a:font script="Hang" typeface="맑은 고딕"/>
-        <a:font script="Hans" typeface="宋体"/>
+        <a:font script="Hans" typeface="SimSun"/>
         <a:font script="Hant" typeface="新細明體"/>
         <a:font script="Arab" typeface="Times New Roman"/>
         <a:font script="Hebr" typeface="Times New Roman"/>
@@ -14157,9 +14280,9 @@
         <a:latin typeface="Arial"/>
         <a:ea typeface=""/>
         <a:cs typeface=""/>
-        <a:font script="Jpan" typeface="ＭＳ Ｐゴシック"/>
+        <a:font script="Jpan" typeface="MS PGothic"/>
         <a:font script="Hang" typeface="맑은 고딕"/>
-        <a:font script="Hans" typeface="宋体"/>
+        <a:font script="Hans" typeface="SimSun"/>
         <a:font script="Hant" typeface="新細明體"/>
         <a:font script="Arab" typeface="Arial"/>
         <a:font script="Hebr" typeface="Arial"/>
